--- a/1.data/2.documents/OCR 처방전 전체흐름.pptx
+++ b/1.data/2.documents/OCR 처방전 전체흐름.pptx
@@ -6,8 +6,10 @@
   </p:sldMasterIdLst>
   <p:sldIdLst>
     <p:sldId id="256" r:id="rId2"/>
-    <p:sldId id="257" r:id="rId3"/>
-    <p:sldId id="258" r:id="rId4"/>
+    <p:sldId id="259" r:id="rId3"/>
+    <p:sldId id="260" r:id="rId4"/>
+    <p:sldId id="257" r:id="rId5"/>
+    <p:sldId id="258" r:id="rId6"/>
   </p:sldIdLst>
   <p:sldSz cx="12192000" cy="6858000"/>
   <p:notesSz cx="6858000" cy="9144000"/>
@@ -109,7 +111,7 @@
   <p:extLst>
     <p:ext uri="{EFAFB233-063F-42B5-8137-9DF3F51BA10A}">
       <p15:sldGuideLst xmlns:p15="http://schemas.microsoft.com/office/powerpoint/2012/main">
-        <p15:guide id="1" orient="horz" pos="2160" userDrawn="1">
+        <p15:guide id="1" orient="horz" pos="2136" userDrawn="1">
           <p15:clr>
             <a:srgbClr val="A4A3A4"/>
           </p15:clr>
@@ -272,7 +274,7 @@
           <a:p>
             <a:fld id="{8665DB23-330D-44AF-B3E3-578533541C19}" type="datetimeFigureOut">
               <a:rPr lang="ko-KR" altLang="en-US" smtClean="0"/>
-              <a:t>2023-06-05</a:t>
+              <a:t>2023-06-07</a:t>
             </a:fld>
             <a:endParaRPr lang="ko-KR" altLang="en-US"/>
           </a:p>
@@ -470,7 +472,7 @@
           <a:p>
             <a:fld id="{8665DB23-330D-44AF-B3E3-578533541C19}" type="datetimeFigureOut">
               <a:rPr lang="ko-KR" altLang="en-US" smtClean="0"/>
-              <a:t>2023-06-05</a:t>
+              <a:t>2023-06-07</a:t>
             </a:fld>
             <a:endParaRPr lang="ko-KR" altLang="en-US"/>
           </a:p>
@@ -678,7 +680,7 @@
           <a:p>
             <a:fld id="{8665DB23-330D-44AF-B3E3-578533541C19}" type="datetimeFigureOut">
               <a:rPr lang="ko-KR" altLang="en-US" smtClean="0"/>
-              <a:t>2023-06-05</a:t>
+              <a:t>2023-06-07</a:t>
             </a:fld>
             <a:endParaRPr lang="ko-KR" altLang="en-US"/>
           </a:p>
@@ -876,7 +878,7 @@
           <a:p>
             <a:fld id="{8665DB23-330D-44AF-B3E3-578533541C19}" type="datetimeFigureOut">
               <a:rPr lang="ko-KR" altLang="en-US" smtClean="0"/>
-              <a:t>2023-06-05</a:t>
+              <a:t>2023-06-07</a:t>
             </a:fld>
             <a:endParaRPr lang="ko-KR" altLang="en-US"/>
           </a:p>
@@ -1151,7 +1153,7 @@
           <a:p>
             <a:fld id="{8665DB23-330D-44AF-B3E3-578533541C19}" type="datetimeFigureOut">
               <a:rPr lang="ko-KR" altLang="en-US" smtClean="0"/>
-              <a:t>2023-06-05</a:t>
+              <a:t>2023-06-07</a:t>
             </a:fld>
             <a:endParaRPr lang="ko-KR" altLang="en-US"/>
           </a:p>
@@ -1416,7 +1418,7 @@
           <a:p>
             <a:fld id="{8665DB23-330D-44AF-B3E3-578533541C19}" type="datetimeFigureOut">
               <a:rPr lang="ko-KR" altLang="en-US" smtClean="0"/>
-              <a:t>2023-06-05</a:t>
+              <a:t>2023-06-07</a:t>
             </a:fld>
             <a:endParaRPr lang="ko-KR" altLang="en-US"/>
           </a:p>
@@ -1828,7 +1830,7 @@
           <a:p>
             <a:fld id="{8665DB23-330D-44AF-B3E3-578533541C19}" type="datetimeFigureOut">
               <a:rPr lang="ko-KR" altLang="en-US" smtClean="0"/>
-              <a:t>2023-06-05</a:t>
+              <a:t>2023-06-07</a:t>
             </a:fld>
             <a:endParaRPr lang="ko-KR" altLang="en-US"/>
           </a:p>
@@ -1969,7 +1971,7 @@
           <a:p>
             <a:fld id="{8665DB23-330D-44AF-B3E3-578533541C19}" type="datetimeFigureOut">
               <a:rPr lang="ko-KR" altLang="en-US" smtClean="0"/>
-              <a:t>2023-06-05</a:t>
+              <a:t>2023-06-07</a:t>
             </a:fld>
             <a:endParaRPr lang="ko-KR" altLang="en-US"/>
           </a:p>
@@ -2082,7 +2084,7 @@
           <a:p>
             <a:fld id="{8665DB23-330D-44AF-B3E3-578533541C19}" type="datetimeFigureOut">
               <a:rPr lang="ko-KR" altLang="en-US" smtClean="0"/>
-              <a:t>2023-06-05</a:t>
+              <a:t>2023-06-07</a:t>
             </a:fld>
             <a:endParaRPr lang="ko-KR" altLang="en-US"/>
           </a:p>
@@ -2393,7 +2395,7 @@
           <a:p>
             <a:fld id="{8665DB23-330D-44AF-B3E3-578533541C19}" type="datetimeFigureOut">
               <a:rPr lang="ko-KR" altLang="en-US" smtClean="0"/>
-              <a:t>2023-06-05</a:t>
+              <a:t>2023-06-07</a:t>
             </a:fld>
             <a:endParaRPr lang="ko-KR" altLang="en-US"/>
           </a:p>
@@ -2681,7 +2683,7 @@
           <a:p>
             <a:fld id="{8665DB23-330D-44AF-B3E3-578533541C19}" type="datetimeFigureOut">
               <a:rPr lang="ko-KR" altLang="en-US" smtClean="0"/>
-              <a:t>2023-06-05</a:t>
+              <a:t>2023-06-07</a:t>
             </a:fld>
             <a:endParaRPr lang="ko-KR" altLang="en-US"/>
           </a:p>
@@ -2922,7 +2924,7 @@
           <a:p>
             <a:fld id="{8665DB23-330D-44AF-B3E3-578533541C19}" type="datetimeFigureOut">
               <a:rPr lang="ko-KR" altLang="en-US" smtClean="0"/>
-              <a:t>2023-06-05</a:t>
+              <a:t>2023-06-07</a:t>
             </a:fld>
             <a:endParaRPr lang="ko-KR" altLang="en-US"/>
           </a:p>
@@ -3798,6 +3800,3202 @@
           <a:chExt cx="0" cy="0"/>
         </a:xfrm>
       </p:grpSpPr>
+      <p:grpSp>
+        <p:nvGrpSpPr>
+          <p:cNvPr id="92" name="그룹 91">
+            <a:extLst>
+              <a:ext uri="{FF2B5EF4-FFF2-40B4-BE49-F238E27FC236}">
+                <a16:creationId xmlns:a16="http://schemas.microsoft.com/office/drawing/2014/main" id="{EF93173C-63C1-48BD-0136-F2D177E9E964}"/>
+              </a:ext>
+            </a:extLst>
+          </p:cNvPr>
+          <p:cNvGrpSpPr/>
+          <p:nvPr/>
+        </p:nvGrpSpPr>
+        <p:grpSpPr>
+          <a:xfrm>
+            <a:off x="1348509" y="372357"/>
+            <a:ext cx="10157406" cy="6037085"/>
+            <a:chOff x="1348509" y="372357"/>
+            <a:chExt cx="10157406" cy="6037085"/>
+          </a:xfrm>
+        </p:grpSpPr>
+        <p:pic>
+          <p:nvPicPr>
+            <p:cNvPr id="54" name="그림 53" descr="텍스트, 스크린샷, 번호, 평행이(가) 표시된 사진&#10;&#10;자동 생성된 설명">
+              <a:extLst>
+                <a:ext uri="{FF2B5EF4-FFF2-40B4-BE49-F238E27FC236}">
+                  <a16:creationId xmlns:a16="http://schemas.microsoft.com/office/drawing/2014/main" id="{3ED1B6B2-456F-641A-30DF-4AB3570E93B4}"/>
+                </a:ext>
+              </a:extLst>
+            </p:cNvPr>
+            <p:cNvPicPr>
+              <a:picLocks noChangeAspect="1"/>
+            </p:cNvPicPr>
+            <p:nvPr/>
+          </p:nvPicPr>
+          <p:blipFill rotWithShape="1">
+            <a:blip r:embed="rId2">
+              <a:extLst>
+                <a:ext uri="{28A0092B-C50C-407E-A947-70E740481C1C}">
+                  <a14:useLocalDpi xmlns:a14="http://schemas.microsoft.com/office/drawing/2010/main" val="0"/>
+                </a:ext>
+              </a:extLst>
+            </a:blip>
+            <a:srcRect b="58000"/>
+            <a:stretch/>
+          </p:blipFill>
+          <p:spPr>
+            <a:xfrm>
+              <a:off x="1348509" y="372357"/>
+              <a:ext cx="10157406" cy="6037085"/>
+            </a:xfrm>
+            <a:prstGeom prst="rect">
+              <a:avLst/>
+            </a:prstGeom>
+          </p:spPr>
+        </p:pic>
+        <p:sp>
+          <p:nvSpPr>
+            <p:cNvPr id="55" name="직사각형 54">
+              <a:extLst>
+                <a:ext uri="{FF2B5EF4-FFF2-40B4-BE49-F238E27FC236}">
+                  <a16:creationId xmlns:a16="http://schemas.microsoft.com/office/drawing/2014/main" id="{DE4F54E8-0315-A6D4-070E-D97D17DE4D39}"/>
+                </a:ext>
+              </a:extLst>
+            </p:cNvPr>
+            <p:cNvSpPr/>
+            <p:nvPr/>
+          </p:nvSpPr>
+          <p:spPr>
+            <a:xfrm>
+              <a:off x="2004291" y="1320800"/>
+              <a:ext cx="360218" cy="286327"/>
+            </a:xfrm>
+            <a:prstGeom prst="rect">
+              <a:avLst/>
+            </a:prstGeom>
+            <a:solidFill>
+              <a:schemeClr val="accent2"/>
+            </a:solidFill>
+            <a:ln>
+              <a:noFill/>
+            </a:ln>
+          </p:spPr>
+          <p:style>
+            <a:lnRef idx="2">
+              <a:schemeClr val="accent1">
+                <a:shade val="50000"/>
+              </a:schemeClr>
+            </a:lnRef>
+            <a:fillRef idx="1">
+              <a:schemeClr val="accent1"/>
+            </a:fillRef>
+            <a:effectRef idx="0">
+              <a:schemeClr val="accent1"/>
+            </a:effectRef>
+            <a:fontRef idx="minor">
+              <a:schemeClr val="lt1"/>
+            </a:fontRef>
+          </p:style>
+          <p:txBody>
+            <a:bodyPr rtlCol="0" anchor="ctr"/>
+            <a:lstStyle/>
+            <a:p>
+              <a:pPr algn="ctr"/>
+              <a:r>
+                <a:rPr lang="en-US" altLang="ko-KR" dirty="0"/>
+                <a:t>0</a:t>
+              </a:r>
+              <a:endParaRPr lang="ko-KR" altLang="en-US" dirty="0"/>
+            </a:p>
+          </p:txBody>
+        </p:sp>
+        <p:sp>
+          <p:nvSpPr>
+            <p:cNvPr id="56" name="직사각형 55">
+              <a:extLst>
+                <a:ext uri="{FF2B5EF4-FFF2-40B4-BE49-F238E27FC236}">
+                  <a16:creationId xmlns:a16="http://schemas.microsoft.com/office/drawing/2014/main" id="{D77F7CA8-A0AD-9EC2-2AA8-0032A1E17B53}"/>
+                </a:ext>
+              </a:extLst>
+            </p:cNvPr>
+            <p:cNvSpPr/>
+            <p:nvPr/>
+          </p:nvSpPr>
+          <p:spPr>
+            <a:xfrm>
+              <a:off x="4470400" y="1681018"/>
+              <a:ext cx="360218" cy="286327"/>
+            </a:xfrm>
+            <a:prstGeom prst="rect">
+              <a:avLst/>
+            </a:prstGeom>
+            <a:solidFill>
+              <a:schemeClr val="accent2"/>
+            </a:solidFill>
+            <a:ln>
+              <a:noFill/>
+            </a:ln>
+          </p:spPr>
+          <p:style>
+            <a:lnRef idx="2">
+              <a:schemeClr val="accent1">
+                <a:shade val="50000"/>
+              </a:schemeClr>
+            </a:lnRef>
+            <a:fillRef idx="1">
+              <a:schemeClr val="accent1"/>
+            </a:fillRef>
+            <a:effectRef idx="0">
+              <a:schemeClr val="accent1"/>
+            </a:effectRef>
+            <a:fontRef idx="minor">
+              <a:schemeClr val="lt1"/>
+            </a:fontRef>
+          </p:style>
+          <p:txBody>
+            <a:bodyPr rtlCol="0" anchor="ctr"/>
+            <a:lstStyle/>
+            <a:p>
+              <a:pPr algn="ctr"/>
+              <a:r>
+                <a:rPr lang="en-US" altLang="ko-KR" dirty="0"/>
+                <a:t>1</a:t>
+              </a:r>
+              <a:endParaRPr lang="ko-KR" altLang="en-US" dirty="0"/>
+            </a:p>
+          </p:txBody>
+        </p:sp>
+        <p:sp>
+          <p:nvSpPr>
+            <p:cNvPr id="57" name="직사각형 56">
+              <a:extLst>
+                <a:ext uri="{FF2B5EF4-FFF2-40B4-BE49-F238E27FC236}">
+                  <a16:creationId xmlns:a16="http://schemas.microsoft.com/office/drawing/2014/main" id="{59C8DA9D-0A1E-7046-753B-FE0012FA52E7}"/>
+                </a:ext>
+              </a:extLst>
+            </p:cNvPr>
+            <p:cNvSpPr/>
+            <p:nvPr/>
+          </p:nvSpPr>
+          <p:spPr>
+            <a:xfrm>
+              <a:off x="6066994" y="1681018"/>
+              <a:ext cx="360218" cy="286327"/>
+            </a:xfrm>
+            <a:prstGeom prst="rect">
+              <a:avLst/>
+            </a:prstGeom>
+            <a:solidFill>
+              <a:schemeClr val="accent2"/>
+            </a:solidFill>
+            <a:ln>
+              <a:noFill/>
+            </a:ln>
+          </p:spPr>
+          <p:style>
+            <a:lnRef idx="2">
+              <a:schemeClr val="accent1">
+                <a:shade val="50000"/>
+              </a:schemeClr>
+            </a:lnRef>
+            <a:fillRef idx="1">
+              <a:schemeClr val="accent1"/>
+            </a:fillRef>
+            <a:effectRef idx="0">
+              <a:schemeClr val="accent1"/>
+            </a:effectRef>
+            <a:fontRef idx="minor">
+              <a:schemeClr val="lt1"/>
+            </a:fontRef>
+          </p:style>
+          <p:txBody>
+            <a:bodyPr rtlCol="0" anchor="ctr"/>
+            <a:lstStyle/>
+            <a:p>
+              <a:pPr algn="ctr"/>
+              <a:r>
+                <a:rPr lang="en-US" altLang="ko-KR" dirty="0"/>
+                <a:t>2</a:t>
+              </a:r>
+              <a:endParaRPr lang="ko-KR" altLang="en-US" dirty="0"/>
+            </a:p>
+          </p:txBody>
+        </p:sp>
+        <p:sp>
+          <p:nvSpPr>
+            <p:cNvPr id="58" name="직사각형 57">
+              <a:extLst>
+                <a:ext uri="{FF2B5EF4-FFF2-40B4-BE49-F238E27FC236}">
+                  <a16:creationId xmlns:a16="http://schemas.microsoft.com/office/drawing/2014/main" id="{7A0D32AB-4803-3227-A29F-4FA608300A07}"/>
+                </a:ext>
+              </a:extLst>
+            </p:cNvPr>
+            <p:cNvSpPr/>
+            <p:nvPr/>
+          </p:nvSpPr>
+          <p:spPr>
+            <a:xfrm>
+              <a:off x="7483479" y="1681018"/>
+              <a:ext cx="360218" cy="286327"/>
+            </a:xfrm>
+            <a:prstGeom prst="rect">
+              <a:avLst/>
+            </a:prstGeom>
+            <a:solidFill>
+              <a:schemeClr val="accent2"/>
+            </a:solidFill>
+            <a:ln>
+              <a:noFill/>
+            </a:ln>
+          </p:spPr>
+          <p:style>
+            <a:lnRef idx="2">
+              <a:schemeClr val="accent1">
+                <a:shade val="50000"/>
+              </a:schemeClr>
+            </a:lnRef>
+            <a:fillRef idx="1">
+              <a:schemeClr val="accent1"/>
+            </a:fillRef>
+            <a:effectRef idx="0">
+              <a:schemeClr val="accent1"/>
+            </a:effectRef>
+            <a:fontRef idx="minor">
+              <a:schemeClr val="lt1"/>
+            </a:fontRef>
+          </p:style>
+          <p:txBody>
+            <a:bodyPr rtlCol="0" anchor="ctr"/>
+            <a:lstStyle/>
+            <a:p>
+              <a:pPr algn="ctr"/>
+              <a:r>
+                <a:rPr lang="en-US" altLang="ko-KR" dirty="0"/>
+                <a:t>3</a:t>
+              </a:r>
+              <a:endParaRPr lang="ko-KR" altLang="en-US" dirty="0"/>
+            </a:p>
+          </p:txBody>
+        </p:sp>
+        <p:sp>
+          <p:nvSpPr>
+            <p:cNvPr id="59" name="직사각형 58">
+              <a:extLst>
+                <a:ext uri="{FF2B5EF4-FFF2-40B4-BE49-F238E27FC236}">
+                  <a16:creationId xmlns:a16="http://schemas.microsoft.com/office/drawing/2014/main" id="{0C3D2409-95C6-6377-613F-CA2C5447C534}"/>
+                </a:ext>
+              </a:extLst>
+            </p:cNvPr>
+            <p:cNvSpPr/>
+            <p:nvPr/>
+          </p:nvSpPr>
+          <p:spPr>
+            <a:xfrm>
+              <a:off x="2004291" y="2412406"/>
+              <a:ext cx="360218" cy="286327"/>
+            </a:xfrm>
+            <a:prstGeom prst="rect">
+              <a:avLst/>
+            </a:prstGeom>
+            <a:solidFill>
+              <a:schemeClr val="accent2"/>
+            </a:solidFill>
+            <a:ln>
+              <a:noFill/>
+            </a:ln>
+          </p:spPr>
+          <p:style>
+            <a:lnRef idx="2">
+              <a:schemeClr val="accent1">
+                <a:shade val="50000"/>
+              </a:schemeClr>
+            </a:lnRef>
+            <a:fillRef idx="1">
+              <a:schemeClr val="accent1"/>
+            </a:fillRef>
+            <a:effectRef idx="0">
+              <a:schemeClr val="accent1"/>
+            </a:effectRef>
+            <a:fontRef idx="minor">
+              <a:schemeClr val="lt1"/>
+            </a:fontRef>
+          </p:style>
+          <p:txBody>
+            <a:bodyPr rtlCol="0" anchor="ctr"/>
+            <a:lstStyle/>
+            <a:p>
+              <a:pPr algn="ctr"/>
+              <a:r>
+                <a:rPr lang="en-US" altLang="ko-KR" dirty="0"/>
+                <a:t>4</a:t>
+              </a:r>
+              <a:endParaRPr lang="ko-KR" altLang="en-US" dirty="0"/>
+            </a:p>
+          </p:txBody>
+        </p:sp>
+        <p:sp>
+          <p:nvSpPr>
+            <p:cNvPr id="60" name="직사각형 59">
+              <a:extLst>
+                <a:ext uri="{FF2B5EF4-FFF2-40B4-BE49-F238E27FC236}">
+                  <a16:creationId xmlns:a16="http://schemas.microsoft.com/office/drawing/2014/main" id="{7F2A4CAD-F085-4376-57A2-05003A5CA4EE}"/>
+                </a:ext>
+              </a:extLst>
+            </p:cNvPr>
+            <p:cNvSpPr/>
+            <p:nvPr/>
+          </p:nvSpPr>
+          <p:spPr>
+            <a:xfrm>
+              <a:off x="3020291" y="2412405"/>
+              <a:ext cx="360218" cy="286327"/>
+            </a:xfrm>
+            <a:prstGeom prst="rect">
+              <a:avLst/>
+            </a:prstGeom>
+            <a:solidFill>
+              <a:schemeClr val="accent2"/>
+            </a:solidFill>
+            <a:ln>
+              <a:noFill/>
+            </a:ln>
+          </p:spPr>
+          <p:style>
+            <a:lnRef idx="2">
+              <a:schemeClr val="accent1">
+                <a:shade val="50000"/>
+              </a:schemeClr>
+            </a:lnRef>
+            <a:fillRef idx="1">
+              <a:schemeClr val="accent1"/>
+            </a:fillRef>
+            <a:effectRef idx="0">
+              <a:schemeClr val="accent1"/>
+            </a:effectRef>
+            <a:fontRef idx="minor">
+              <a:schemeClr val="lt1"/>
+            </a:fontRef>
+          </p:style>
+          <p:txBody>
+            <a:bodyPr rtlCol="0" anchor="ctr"/>
+            <a:lstStyle/>
+            <a:p>
+              <a:pPr algn="ctr"/>
+              <a:r>
+                <a:rPr lang="en-US" altLang="ko-KR" dirty="0"/>
+                <a:t>5</a:t>
+              </a:r>
+              <a:endParaRPr lang="ko-KR" altLang="en-US" dirty="0"/>
+            </a:p>
+          </p:txBody>
+        </p:sp>
+        <p:sp>
+          <p:nvSpPr>
+            <p:cNvPr id="61" name="직사각형 60">
+              <a:extLst>
+                <a:ext uri="{FF2B5EF4-FFF2-40B4-BE49-F238E27FC236}">
+                  <a16:creationId xmlns:a16="http://schemas.microsoft.com/office/drawing/2014/main" id="{1F8A260A-8EC8-5AE6-7EBE-FFD66E3576C0}"/>
+                </a:ext>
+              </a:extLst>
+            </p:cNvPr>
+            <p:cNvSpPr/>
+            <p:nvPr/>
+          </p:nvSpPr>
+          <p:spPr>
+            <a:xfrm>
+              <a:off x="4100945" y="2412405"/>
+              <a:ext cx="360218" cy="286327"/>
+            </a:xfrm>
+            <a:prstGeom prst="rect">
+              <a:avLst/>
+            </a:prstGeom>
+            <a:solidFill>
+              <a:schemeClr val="accent2"/>
+            </a:solidFill>
+            <a:ln>
+              <a:noFill/>
+            </a:ln>
+          </p:spPr>
+          <p:style>
+            <a:lnRef idx="2">
+              <a:schemeClr val="accent1">
+                <a:shade val="50000"/>
+              </a:schemeClr>
+            </a:lnRef>
+            <a:fillRef idx="1">
+              <a:schemeClr val="accent1"/>
+            </a:fillRef>
+            <a:effectRef idx="0">
+              <a:schemeClr val="accent1"/>
+            </a:effectRef>
+            <a:fontRef idx="minor">
+              <a:schemeClr val="lt1"/>
+            </a:fontRef>
+          </p:style>
+          <p:txBody>
+            <a:bodyPr rtlCol="0" anchor="ctr"/>
+            <a:lstStyle/>
+            <a:p>
+              <a:pPr algn="ctr"/>
+              <a:r>
+                <a:rPr lang="en-US" altLang="ko-KR" dirty="0"/>
+                <a:t>6</a:t>
+              </a:r>
+              <a:endParaRPr lang="ko-KR" altLang="en-US" dirty="0"/>
+            </a:p>
+          </p:txBody>
+        </p:sp>
+        <p:sp>
+          <p:nvSpPr>
+            <p:cNvPr id="62" name="직사각형 61">
+              <a:extLst>
+                <a:ext uri="{FF2B5EF4-FFF2-40B4-BE49-F238E27FC236}">
+                  <a16:creationId xmlns:a16="http://schemas.microsoft.com/office/drawing/2014/main" id="{F66E45A5-892D-B496-A939-B9E29FEB0407}"/>
+                </a:ext>
+              </a:extLst>
+            </p:cNvPr>
+            <p:cNvSpPr/>
+            <p:nvPr/>
+          </p:nvSpPr>
+          <p:spPr>
+            <a:xfrm>
+              <a:off x="5052291" y="2412405"/>
+              <a:ext cx="360218" cy="286327"/>
+            </a:xfrm>
+            <a:prstGeom prst="rect">
+              <a:avLst/>
+            </a:prstGeom>
+            <a:solidFill>
+              <a:schemeClr val="accent2"/>
+            </a:solidFill>
+            <a:ln>
+              <a:noFill/>
+            </a:ln>
+          </p:spPr>
+          <p:style>
+            <a:lnRef idx="2">
+              <a:schemeClr val="accent1">
+                <a:shade val="50000"/>
+              </a:schemeClr>
+            </a:lnRef>
+            <a:fillRef idx="1">
+              <a:schemeClr val="accent1"/>
+            </a:fillRef>
+            <a:effectRef idx="0">
+              <a:schemeClr val="accent1"/>
+            </a:effectRef>
+            <a:fontRef idx="minor">
+              <a:schemeClr val="lt1"/>
+            </a:fontRef>
+          </p:style>
+          <p:txBody>
+            <a:bodyPr rtlCol="0" anchor="ctr"/>
+            <a:lstStyle/>
+            <a:p>
+              <a:pPr algn="ctr"/>
+              <a:r>
+                <a:rPr lang="en-US" altLang="ko-KR" dirty="0"/>
+                <a:t>7</a:t>
+              </a:r>
+              <a:endParaRPr lang="ko-KR" altLang="en-US" dirty="0"/>
+            </a:p>
+          </p:txBody>
+        </p:sp>
+        <p:sp>
+          <p:nvSpPr>
+            <p:cNvPr id="63" name="직사각형 62">
+              <a:extLst>
+                <a:ext uri="{FF2B5EF4-FFF2-40B4-BE49-F238E27FC236}">
+                  <a16:creationId xmlns:a16="http://schemas.microsoft.com/office/drawing/2014/main" id="{20FDF933-5E94-6E43-AA25-5B3297CF752C}"/>
+                </a:ext>
+              </a:extLst>
+            </p:cNvPr>
+            <p:cNvSpPr/>
+            <p:nvPr/>
+          </p:nvSpPr>
+          <p:spPr>
+            <a:xfrm>
+              <a:off x="6066994" y="2412404"/>
+              <a:ext cx="360218" cy="286327"/>
+            </a:xfrm>
+            <a:prstGeom prst="rect">
+              <a:avLst/>
+            </a:prstGeom>
+            <a:solidFill>
+              <a:schemeClr val="accent2"/>
+            </a:solidFill>
+            <a:ln>
+              <a:noFill/>
+            </a:ln>
+          </p:spPr>
+          <p:style>
+            <a:lnRef idx="2">
+              <a:schemeClr val="accent1">
+                <a:shade val="50000"/>
+              </a:schemeClr>
+            </a:lnRef>
+            <a:fillRef idx="1">
+              <a:schemeClr val="accent1"/>
+            </a:fillRef>
+            <a:effectRef idx="0">
+              <a:schemeClr val="accent1"/>
+            </a:effectRef>
+            <a:fontRef idx="minor">
+              <a:schemeClr val="lt1"/>
+            </a:fontRef>
+          </p:style>
+          <p:txBody>
+            <a:bodyPr rtlCol="0" anchor="ctr"/>
+            <a:lstStyle/>
+            <a:p>
+              <a:pPr algn="ctr"/>
+              <a:r>
+                <a:rPr lang="en-US" altLang="ko-KR" dirty="0"/>
+                <a:t>8</a:t>
+              </a:r>
+              <a:endParaRPr lang="ko-KR" altLang="en-US" dirty="0"/>
+            </a:p>
+          </p:txBody>
+        </p:sp>
+        <p:sp>
+          <p:nvSpPr>
+            <p:cNvPr id="64" name="직사각형 63">
+              <a:extLst>
+                <a:ext uri="{FF2B5EF4-FFF2-40B4-BE49-F238E27FC236}">
+                  <a16:creationId xmlns:a16="http://schemas.microsoft.com/office/drawing/2014/main" id="{22F8D6B7-E9B4-F473-3113-BFC1F4F62780}"/>
+                </a:ext>
+              </a:extLst>
+            </p:cNvPr>
+            <p:cNvSpPr/>
+            <p:nvPr/>
+          </p:nvSpPr>
+          <p:spPr>
+            <a:xfrm>
+              <a:off x="7230776" y="2412404"/>
+              <a:ext cx="360218" cy="286327"/>
+            </a:xfrm>
+            <a:prstGeom prst="rect">
+              <a:avLst/>
+            </a:prstGeom>
+            <a:solidFill>
+              <a:schemeClr val="accent2"/>
+            </a:solidFill>
+            <a:ln>
+              <a:noFill/>
+            </a:ln>
+          </p:spPr>
+          <p:style>
+            <a:lnRef idx="2">
+              <a:schemeClr val="accent1">
+                <a:shade val="50000"/>
+              </a:schemeClr>
+            </a:lnRef>
+            <a:fillRef idx="1">
+              <a:schemeClr val="accent1"/>
+            </a:fillRef>
+            <a:effectRef idx="0">
+              <a:schemeClr val="accent1"/>
+            </a:effectRef>
+            <a:fontRef idx="minor">
+              <a:schemeClr val="lt1"/>
+            </a:fontRef>
+          </p:style>
+          <p:txBody>
+            <a:bodyPr rtlCol="0" anchor="ctr"/>
+            <a:lstStyle/>
+            <a:p>
+              <a:pPr algn="ctr"/>
+              <a:r>
+                <a:rPr lang="en-US" altLang="ko-KR" dirty="0"/>
+                <a:t>9</a:t>
+              </a:r>
+              <a:endParaRPr lang="ko-KR" altLang="en-US" dirty="0"/>
+            </a:p>
+          </p:txBody>
+        </p:sp>
+        <p:sp>
+          <p:nvSpPr>
+            <p:cNvPr id="65" name="직사각형 64">
+              <a:extLst>
+                <a:ext uri="{FF2B5EF4-FFF2-40B4-BE49-F238E27FC236}">
+                  <a16:creationId xmlns:a16="http://schemas.microsoft.com/office/drawing/2014/main" id="{C19A85C9-9D0C-3AB5-9F55-93D541927645}"/>
+                </a:ext>
+              </a:extLst>
+            </p:cNvPr>
+            <p:cNvSpPr/>
+            <p:nvPr/>
+          </p:nvSpPr>
+          <p:spPr>
+            <a:xfrm>
+              <a:off x="7663588" y="2412403"/>
+              <a:ext cx="500060" cy="286327"/>
+            </a:xfrm>
+            <a:prstGeom prst="rect">
+              <a:avLst/>
+            </a:prstGeom>
+            <a:solidFill>
+              <a:schemeClr val="accent2"/>
+            </a:solidFill>
+            <a:ln>
+              <a:noFill/>
+            </a:ln>
+          </p:spPr>
+          <p:style>
+            <a:lnRef idx="2">
+              <a:schemeClr val="accent1">
+                <a:shade val="50000"/>
+              </a:schemeClr>
+            </a:lnRef>
+            <a:fillRef idx="1">
+              <a:schemeClr val="accent1"/>
+            </a:fillRef>
+            <a:effectRef idx="0">
+              <a:schemeClr val="accent1"/>
+            </a:effectRef>
+            <a:fontRef idx="minor">
+              <a:schemeClr val="lt1"/>
+            </a:fontRef>
+          </p:style>
+          <p:txBody>
+            <a:bodyPr rtlCol="0" anchor="ctr"/>
+            <a:lstStyle/>
+            <a:p>
+              <a:pPr algn="ctr"/>
+              <a:r>
+                <a:rPr lang="en-US" altLang="ko-KR" dirty="0"/>
+                <a:t>11</a:t>
+              </a:r>
+              <a:endParaRPr lang="ko-KR" altLang="en-US" dirty="0"/>
+            </a:p>
+          </p:txBody>
+        </p:sp>
+        <p:sp>
+          <p:nvSpPr>
+            <p:cNvPr id="66" name="직사각형 65">
+              <a:extLst>
+                <a:ext uri="{FF2B5EF4-FFF2-40B4-BE49-F238E27FC236}">
+                  <a16:creationId xmlns:a16="http://schemas.microsoft.com/office/drawing/2014/main" id="{AF0981FF-2A25-2504-C0D1-0202BC9593C6}"/>
+                </a:ext>
+              </a:extLst>
+            </p:cNvPr>
+            <p:cNvSpPr/>
+            <p:nvPr/>
+          </p:nvSpPr>
+          <p:spPr>
+            <a:xfrm>
+              <a:off x="1828800" y="2957348"/>
+              <a:ext cx="459225" cy="286327"/>
+            </a:xfrm>
+            <a:prstGeom prst="rect">
+              <a:avLst/>
+            </a:prstGeom>
+            <a:solidFill>
+              <a:schemeClr val="accent2"/>
+            </a:solidFill>
+            <a:ln>
+              <a:noFill/>
+            </a:ln>
+          </p:spPr>
+          <p:style>
+            <a:lnRef idx="2">
+              <a:schemeClr val="accent1">
+                <a:shade val="50000"/>
+              </a:schemeClr>
+            </a:lnRef>
+            <a:fillRef idx="1">
+              <a:schemeClr val="accent1"/>
+            </a:fillRef>
+            <a:effectRef idx="0">
+              <a:schemeClr val="accent1"/>
+            </a:effectRef>
+            <a:fontRef idx="minor">
+              <a:schemeClr val="lt1"/>
+            </a:fontRef>
+          </p:style>
+          <p:txBody>
+            <a:bodyPr rtlCol="0" anchor="ctr"/>
+            <a:lstStyle/>
+            <a:p>
+              <a:pPr algn="ctr"/>
+              <a:r>
+                <a:rPr lang="en-US" altLang="ko-KR" dirty="0"/>
+                <a:t>12</a:t>
+              </a:r>
+              <a:endParaRPr lang="ko-KR" altLang="en-US" dirty="0"/>
+            </a:p>
+          </p:txBody>
+        </p:sp>
+        <p:sp>
+          <p:nvSpPr>
+            <p:cNvPr id="67" name="직사각형 66">
+              <a:extLst>
+                <a:ext uri="{FF2B5EF4-FFF2-40B4-BE49-F238E27FC236}">
+                  <a16:creationId xmlns:a16="http://schemas.microsoft.com/office/drawing/2014/main" id="{97385D6D-069A-1FF9-2566-3AD375A1CEB5}"/>
+                </a:ext>
+              </a:extLst>
+            </p:cNvPr>
+            <p:cNvSpPr/>
+            <p:nvPr/>
+          </p:nvSpPr>
+          <p:spPr>
+            <a:xfrm>
+              <a:off x="3092157" y="2957348"/>
+              <a:ext cx="459225" cy="286327"/>
+            </a:xfrm>
+            <a:prstGeom prst="rect">
+              <a:avLst/>
+            </a:prstGeom>
+            <a:solidFill>
+              <a:schemeClr val="accent2"/>
+            </a:solidFill>
+            <a:ln>
+              <a:noFill/>
+            </a:ln>
+          </p:spPr>
+          <p:style>
+            <a:lnRef idx="2">
+              <a:schemeClr val="accent1">
+                <a:shade val="50000"/>
+              </a:schemeClr>
+            </a:lnRef>
+            <a:fillRef idx="1">
+              <a:schemeClr val="accent1"/>
+            </a:fillRef>
+            <a:effectRef idx="0">
+              <a:schemeClr val="accent1"/>
+            </a:effectRef>
+            <a:fontRef idx="minor">
+              <a:schemeClr val="lt1"/>
+            </a:fontRef>
+          </p:style>
+          <p:txBody>
+            <a:bodyPr rtlCol="0" anchor="ctr"/>
+            <a:lstStyle/>
+            <a:p>
+              <a:pPr algn="ctr"/>
+              <a:r>
+                <a:rPr lang="en-US" altLang="ko-KR" dirty="0"/>
+                <a:t>13</a:t>
+              </a:r>
+              <a:endParaRPr lang="ko-KR" altLang="en-US" dirty="0"/>
+            </a:p>
+          </p:txBody>
+        </p:sp>
+        <p:sp>
+          <p:nvSpPr>
+            <p:cNvPr id="68" name="직사각형 67">
+              <a:extLst>
+                <a:ext uri="{FF2B5EF4-FFF2-40B4-BE49-F238E27FC236}">
+                  <a16:creationId xmlns:a16="http://schemas.microsoft.com/office/drawing/2014/main" id="{3FD7FA4C-F479-D461-6760-0A7706AF374C}"/>
+                </a:ext>
+              </a:extLst>
+            </p:cNvPr>
+            <p:cNvSpPr/>
+            <p:nvPr/>
+          </p:nvSpPr>
+          <p:spPr>
+            <a:xfrm>
+              <a:off x="3641720" y="2957348"/>
+              <a:ext cx="459225" cy="286327"/>
+            </a:xfrm>
+            <a:prstGeom prst="rect">
+              <a:avLst/>
+            </a:prstGeom>
+            <a:solidFill>
+              <a:schemeClr val="accent2"/>
+            </a:solidFill>
+            <a:ln>
+              <a:noFill/>
+            </a:ln>
+          </p:spPr>
+          <p:style>
+            <a:lnRef idx="2">
+              <a:schemeClr val="accent1">
+                <a:shade val="50000"/>
+              </a:schemeClr>
+            </a:lnRef>
+            <a:fillRef idx="1">
+              <a:schemeClr val="accent1"/>
+            </a:fillRef>
+            <a:effectRef idx="0">
+              <a:schemeClr val="accent1"/>
+            </a:effectRef>
+            <a:fontRef idx="minor">
+              <a:schemeClr val="lt1"/>
+            </a:fontRef>
+          </p:style>
+          <p:txBody>
+            <a:bodyPr rtlCol="0" anchor="ctr"/>
+            <a:lstStyle/>
+            <a:p>
+              <a:pPr algn="ctr"/>
+              <a:r>
+                <a:rPr lang="en-US" altLang="ko-KR" dirty="0"/>
+                <a:t>14</a:t>
+              </a:r>
+              <a:endParaRPr lang="ko-KR" altLang="en-US" dirty="0"/>
+            </a:p>
+          </p:txBody>
+        </p:sp>
+        <p:sp>
+          <p:nvSpPr>
+            <p:cNvPr id="69" name="직사각형 68">
+              <a:extLst>
+                <a:ext uri="{FF2B5EF4-FFF2-40B4-BE49-F238E27FC236}">
+                  <a16:creationId xmlns:a16="http://schemas.microsoft.com/office/drawing/2014/main" id="{CE5B8D0F-EA59-F5B1-3AEA-87D714D07E76}"/>
+                </a:ext>
+              </a:extLst>
+            </p:cNvPr>
+            <p:cNvSpPr/>
+            <p:nvPr/>
+          </p:nvSpPr>
+          <p:spPr>
+            <a:xfrm>
+              <a:off x="4191283" y="2989679"/>
+              <a:ext cx="459224" cy="286327"/>
+            </a:xfrm>
+            <a:prstGeom prst="rect">
+              <a:avLst/>
+            </a:prstGeom>
+            <a:solidFill>
+              <a:schemeClr val="accent2"/>
+            </a:solidFill>
+            <a:ln>
+              <a:noFill/>
+            </a:ln>
+          </p:spPr>
+          <p:style>
+            <a:lnRef idx="2">
+              <a:schemeClr val="accent1">
+                <a:shade val="50000"/>
+              </a:schemeClr>
+            </a:lnRef>
+            <a:fillRef idx="1">
+              <a:schemeClr val="accent1"/>
+            </a:fillRef>
+            <a:effectRef idx="0">
+              <a:schemeClr val="accent1"/>
+            </a:effectRef>
+            <a:fontRef idx="minor">
+              <a:schemeClr val="lt1"/>
+            </a:fontRef>
+          </p:style>
+          <p:txBody>
+            <a:bodyPr rtlCol="0" anchor="ctr"/>
+            <a:lstStyle/>
+            <a:p>
+              <a:pPr algn="ctr"/>
+              <a:r>
+                <a:rPr lang="en-US" altLang="ko-KR" dirty="0"/>
+                <a:t>15</a:t>
+              </a:r>
+              <a:endParaRPr lang="ko-KR" altLang="en-US" dirty="0"/>
+            </a:p>
+          </p:txBody>
+        </p:sp>
+        <p:sp>
+          <p:nvSpPr>
+            <p:cNvPr id="70" name="직사각형 69">
+              <a:extLst>
+                <a:ext uri="{FF2B5EF4-FFF2-40B4-BE49-F238E27FC236}">
+                  <a16:creationId xmlns:a16="http://schemas.microsoft.com/office/drawing/2014/main" id="{D913CBB7-D350-C5DD-74F6-438BEC0626C8}"/>
+                </a:ext>
+              </a:extLst>
+            </p:cNvPr>
+            <p:cNvSpPr/>
+            <p:nvPr/>
+          </p:nvSpPr>
+          <p:spPr>
+            <a:xfrm>
+              <a:off x="5620484" y="2940594"/>
+              <a:ext cx="434520" cy="286327"/>
+            </a:xfrm>
+            <a:prstGeom prst="rect">
+              <a:avLst/>
+            </a:prstGeom>
+            <a:solidFill>
+              <a:schemeClr val="accent2"/>
+            </a:solidFill>
+            <a:ln>
+              <a:noFill/>
+            </a:ln>
+          </p:spPr>
+          <p:style>
+            <a:lnRef idx="2">
+              <a:schemeClr val="accent1">
+                <a:shade val="50000"/>
+              </a:schemeClr>
+            </a:lnRef>
+            <a:fillRef idx="1">
+              <a:schemeClr val="accent1"/>
+            </a:fillRef>
+            <a:effectRef idx="0">
+              <a:schemeClr val="accent1"/>
+            </a:effectRef>
+            <a:fontRef idx="minor">
+              <a:schemeClr val="lt1"/>
+            </a:fontRef>
+          </p:style>
+          <p:txBody>
+            <a:bodyPr rtlCol="0" anchor="ctr"/>
+            <a:lstStyle/>
+            <a:p>
+              <a:pPr algn="ctr"/>
+              <a:r>
+                <a:rPr lang="en-US" altLang="ko-KR" dirty="0"/>
+                <a:t>16</a:t>
+              </a:r>
+              <a:endParaRPr lang="ko-KR" altLang="en-US" dirty="0"/>
+            </a:p>
+          </p:txBody>
+        </p:sp>
+        <p:sp>
+          <p:nvSpPr>
+            <p:cNvPr id="71" name="직사각형 70">
+              <a:extLst>
+                <a:ext uri="{FF2B5EF4-FFF2-40B4-BE49-F238E27FC236}">
+                  <a16:creationId xmlns:a16="http://schemas.microsoft.com/office/drawing/2014/main" id="{E10AEF20-00EA-873D-8A68-922F6DEB9B18}"/>
+                </a:ext>
+              </a:extLst>
+            </p:cNvPr>
+            <p:cNvSpPr/>
+            <p:nvPr/>
+          </p:nvSpPr>
+          <p:spPr>
+            <a:xfrm>
+              <a:off x="6186497" y="2928455"/>
+              <a:ext cx="434520" cy="286327"/>
+            </a:xfrm>
+            <a:prstGeom prst="rect">
+              <a:avLst/>
+            </a:prstGeom>
+            <a:solidFill>
+              <a:schemeClr val="accent2"/>
+            </a:solidFill>
+            <a:ln>
+              <a:noFill/>
+            </a:ln>
+          </p:spPr>
+          <p:style>
+            <a:lnRef idx="2">
+              <a:schemeClr val="accent1">
+                <a:shade val="50000"/>
+              </a:schemeClr>
+            </a:lnRef>
+            <a:fillRef idx="1">
+              <a:schemeClr val="accent1"/>
+            </a:fillRef>
+            <a:effectRef idx="0">
+              <a:schemeClr val="accent1"/>
+            </a:effectRef>
+            <a:fontRef idx="minor">
+              <a:schemeClr val="lt1"/>
+            </a:fontRef>
+          </p:style>
+          <p:txBody>
+            <a:bodyPr rtlCol="0" anchor="ctr"/>
+            <a:lstStyle/>
+            <a:p>
+              <a:pPr algn="ctr"/>
+              <a:r>
+                <a:rPr lang="en-US" altLang="ko-KR" dirty="0"/>
+                <a:t>17</a:t>
+              </a:r>
+              <a:endParaRPr lang="ko-KR" altLang="en-US" dirty="0"/>
+            </a:p>
+          </p:txBody>
+        </p:sp>
+        <p:sp>
+          <p:nvSpPr>
+            <p:cNvPr id="72" name="직사각형 71">
+              <a:extLst>
+                <a:ext uri="{FF2B5EF4-FFF2-40B4-BE49-F238E27FC236}">
+                  <a16:creationId xmlns:a16="http://schemas.microsoft.com/office/drawing/2014/main" id="{7F85CFA7-E012-EF7E-2657-0E18B5227BC1}"/>
+                </a:ext>
+              </a:extLst>
+            </p:cNvPr>
+            <p:cNvSpPr/>
+            <p:nvPr/>
+          </p:nvSpPr>
+          <p:spPr>
+            <a:xfrm>
+              <a:off x="7590994" y="2957348"/>
+              <a:ext cx="434520" cy="286327"/>
+            </a:xfrm>
+            <a:prstGeom prst="rect">
+              <a:avLst/>
+            </a:prstGeom>
+            <a:solidFill>
+              <a:schemeClr val="accent2"/>
+            </a:solidFill>
+            <a:ln>
+              <a:noFill/>
+            </a:ln>
+          </p:spPr>
+          <p:style>
+            <a:lnRef idx="2">
+              <a:schemeClr val="accent1">
+                <a:shade val="50000"/>
+              </a:schemeClr>
+            </a:lnRef>
+            <a:fillRef idx="1">
+              <a:schemeClr val="accent1"/>
+            </a:fillRef>
+            <a:effectRef idx="0">
+              <a:schemeClr val="accent1"/>
+            </a:effectRef>
+            <a:fontRef idx="minor">
+              <a:schemeClr val="lt1"/>
+            </a:fontRef>
+          </p:style>
+          <p:txBody>
+            <a:bodyPr rtlCol="0" anchor="ctr"/>
+            <a:lstStyle/>
+            <a:p>
+              <a:pPr algn="ctr"/>
+              <a:r>
+                <a:rPr lang="en-US" altLang="ko-KR" dirty="0"/>
+                <a:t>18</a:t>
+              </a:r>
+              <a:endParaRPr lang="ko-KR" altLang="en-US" dirty="0"/>
+            </a:p>
+          </p:txBody>
+        </p:sp>
+        <p:sp>
+          <p:nvSpPr>
+            <p:cNvPr id="73" name="직사각형 72">
+              <a:extLst>
+                <a:ext uri="{FF2B5EF4-FFF2-40B4-BE49-F238E27FC236}">
+                  <a16:creationId xmlns:a16="http://schemas.microsoft.com/office/drawing/2014/main" id="{58294A0D-DF36-51F4-9358-353E81E2D4F9}"/>
+                </a:ext>
+              </a:extLst>
+            </p:cNvPr>
+            <p:cNvSpPr/>
+            <p:nvPr/>
+          </p:nvSpPr>
+          <p:spPr>
+            <a:xfrm>
+              <a:off x="7590994" y="3282867"/>
+              <a:ext cx="459224" cy="286327"/>
+            </a:xfrm>
+            <a:prstGeom prst="rect">
+              <a:avLst/>
+            </a:prstGeom>
+            <a:solidFill>
+              <a:schemeClr val="accent2"/>
+            </a:solidFill>
+            <a:ln>
+              <a:noFill/>
+            </a:ln>
+          </p:spPr>
+          <p:style>
+            <a:lnRef idx="2">
+              <a:schemeClr val="accent1">
+                <a:shade val="50000"/>
+              </a:schemeClr>
+            </a:lnRef>
+            <a:fillRef idx="1">
+              <a:schemeClr val="accent1"/>
+            </a:fillRef>
+            <a:effectRef idx="0">
+              <a:schemeClr val="accent1"/>
+            </a:effectRef>
+            <a:fontRef idx="minor">
+              <a:schemeClr val="lt1"/>
+            </a:fontRef>
+          </p:style>
+          <p:txBody>
+            <a:bodyPr rtlCol="0" anchor="ctr"/>
+            <a:lstStyle/>
+            <a:p>
+              <a:pPr algn="ctr"/>
+              <a:r>
+                <a:rPr lang="en-US" altLang="ko-KR" dirty="0"/>
+                <a:t>21</a:t>
+              </a:r>
+              <a:endParaRPr lang="ko-KR" altLang="en-US" dirty="0"/>
+            </a:p>
+          </p:txBody>
+        </p:sp>
+        <p:sp>
+          <p:nvSpPr>
+            <p:cNvPr id="74" name="직사각형 73">
+              <a:extLst>
+                <a:ext uri="{FF2B5EF4-FFF2-40B4-BE49-F238E27FC236}">
+                  <a16:creationId xmlns:a16="http://schemas.microsoft.com/office/drawing/2014/main" id="{2621B6BC-0E01-8ED0-2220-23ED2004F05A}"/>
+                </a:ext>
+              </a:extLst>
+            </p:cNvPr>
+            <p:cNvSpPr/>
+            <p:nvPr/>
+          </p:nvSpPr>
+          <p:spPr>
+            <a:xfrm>
+              <a:off x="7590994" y="3598613"/>
+              <a:ext cx="434520" cy="286327"/>
+            </a:xfrm>
+            <a:prstGeom prst="rect">
+              <a:avLst/>
+            </a:prstGeom>
+            <a:solidFill>
+              <a:schemeClr val="accent2"/>
+            </a:solidFill>
+            <a:ln>
+              <a:noFill/>
+            </a:ln>
+          </p:spPr>
+          <p:style>
+            <a:lnRef idx="2">
+              <a:schemeClr val="accent1">
+                <a:shade val="50000"/>
+              </a:schemeClr>
+            </a:lnRef>
+            <a:fillRef idx="1">
+              <a:schemeClr val="accent1"/>
+            </a:fillRef>
+            <a:effectRef idx="0">
+              <a:schemeClr val="accent1"/>
+            </a:effectRef>
+            <a:fontRef idx="minor">
+              <a:schemeClr val="lt1"/>
+            </a:fontRef>
+          </p:style>
+          <p:txBody>
+            <a:bodyPr rtlCol="0" anchor="ctr"/>
+            <a:lstStyle/>
+            <a:p>
+              <a:pPr algn="ctr"/>
+              <a:r>
+                <a:rPr lang="en-US" altLang="ko-KR" dirty="0"/>
+                <a:t>22</a:t>
+              </a:r>
+              <a:endParaRPr lang="ko-KR" altLang="en-US" dirty="0"/>
+            </a:p>
+          </p:txBody>
+        </p:sp>
+        <p:sp>
+          <p:nvSpPr>
+            <p:cNvPr id="75" name="직사각형 74">
+              <a:extLst>
+                <a:ext uri="{FF2B5EF4-FFF2-40B4-BE49-F238E27FC236}">
+                  <a16:creationId xmlns:a16="http://schemas.microsoft.com/office/drawing/2014/main" id="{CF82CE19-417C-C594-806D-7815F89921C4}"/>
+                </a:ext>
+              </a:extLst>
+            </p:cNvPr>
+            <p:cNvSpPr/>
+            <p:nvPr/>
+          </p:nvSpPr>
+          <p:spPr>
+            <a:xfrm>
+              <a:off x="7590994" y="3892981"/>
+              <a:ext cx="459224" cy="286327"/>
+            </a:xfrm>
+            <a:prstGeom prst="rect">
+              <a:avLst/>
+            </a:prstGeom>
+            <a:solidFill>
+              <a:schemeClr val="accent2"/>
+            </a:solidFill>
+            <a:ln>
+              <a:noFill/>
+            </a:ln>
+          </p:spPr>
+          <p:style>
+            <a:lnRef idx="2">
+              <a:schemeClr val="accent1">
+                <a:shade val="50000"/>
+              </a:schemeClr>
+            </a:lnRef>
+            <a:fillRef idx="1">
+              <a:schemeClr val="accent1"/>
+            </a:fillRef>
+            <a:effectRef idx="0">
+              <a:schemeClr val="accent1"/>
+            </a:effectRef>
+            <a:fontRef idx="minor">
+              <a:schemeClr val="lt1"/>
+            </a:fontRef>
+          </p:style>
+          <p:txBody>
+            <a:bodyPr rtlCol="0" anchor="ctr"/>
+            <a:lstStyle/>
+            <a:p>
+              <a:pPr algn="ctr"/>
+              <a:r>
+                <a:rPr lang="en-US" altLang="ko-KR" dirty="0"/>
+                <a:t>24</a:t>
+              </a:r>
+              <a:endParaRPr lang="ko-KR" altLang="en-US" dirty="0"/>
+            </a:p>
+          </p:txBody>
+        </p:sp>
+        <p:sp>
+          <p:nvSpPr>
+            <p:cNvPr id="77" name="직사각형 76">
+              <a:extLst>
+                <a:ext uri="{FF2B5EF4-FFF2-40B4-BE49-F238E27FC236}">
+                  <a16:creationId xmlns:a16="http://schemas.microsoft.com/office/drawing/2014/main" id="{6056B8D6-38A3-4CB4-C3B8-6B3E94FB4971}"/>
+                </a:ext>
+              </a:extLst>
+            </p:cNvPr>
+            <p:cNvSpPr/>
+            <p:nvPr/>
+          </p:nvSpPr>
+          <p:spPr>
+            <a:xfrm>
+              <a:off x="1828800" y="3359126"/>
+              <a:ext cx="459225" cy="286327"/>
+            </a:xfrm>
+            <a:prstGeom prst="rect">
+              <a:avLst/>
+            </a:prstGeom>
+            <a:solidFill>
+              <a:schemeClr val="accent2"/>
+            </a:solidFill>
+            <a:ln>
+              <a:noFill/>
+            </a:ln>
+          </p:spPr>
+          <p:style>
+            <a:lnRef idx="2">
+              <a:schemeClr val="accent1">
+                <a:shade val="50000"/>
+              </a:schemeClr>
+            </a:lnRef>
+            <a:fillRef idx="1">
+              <a:schemeClr val="accent1"/>
+            </a:fillRef>
+            <a:effectRef idx="0">
+              <a:schemeClr val="accent1"/>
+            </a:effectRef>
+            <a:fontRef idx="minor">
+              <a:schemeClr val="lt1"/>
+            </a:fontRef>
+          </p:style>
+          <p:txBody>
+            <a:bodyPr rtlCol="0" anchor="ctr"/>
+            <a:lstStyle/>
+            <a:p>
+              <a:pPr algn="ctr"/>
+              <a:r>
+                <a:rPr lang="en-US" altLang="ko-KR" dirty="0"/>
+                <a:t>19</a:t>
+              </a:r>
+              <a:endParaRPr lang="ko-KR" altLang="en-US" dirty="0"/>
+            </a:p>
+          </p:txBody>
+        </p:sp>
+        <p:sp>
+          <p:nvSpPr>
+            <p:cNvPr id="78" name="직사각형 77">
+              <a:extLst>
+                <a:ext uri="{FF2B5EF4-FFF2-40B4-BE49-F238E27FC236}">
+                  <a16:creationId xmlns:a16="http://schemas.microsoft.com/office/drawing/2014/main" id="{43CC20A7-E424-809F-CB09-C0DB56FCD9CC}"/>
+                </a:ext>
+              </a:extLst>
+            </p:cNvPr>
+            <p:cNvSpPr/>
+            <p:nvPr/>
+          </p:nvSpPr>
+          <p:spPr>
+            <a:xfrm>
+              <a:off x="3929425" y="3391458"/>
+              <a:ext cx="531738" cy="286327"/>
+            </a:xfrm>
+            <a:prstGeom prst="rect">
+              <a:avLst/>
+            </a:prstGeom>
+            <a:solidFill>
+              <a:schemeClr val="accent2"/>
+            </a:solidFill>
+            <a:ln>
+              <a:noFill/>
+            </a:ln>
+          </p:spPr>
+          <p:style>
+            <a:lnRef idx="2">
+              <a:schemeClr val="accent1">
+                <a:shade val="50000"/>
+              </a:schemeClr>
+            </a:lnRef>
+            <a:fillRef idx="1">
+              <a:schemeClr val="accent1"/>
+            </a:fillRef>
+            <a:effectRef idx="0">
+              <a:schemeClr val="accent1"/>
+            </a:effectRef>
+            <a:fontRef idx="minor">
+              <a:schemeClr val="lt1"/>
+            </a:fontRef>
+          </p:style>
+          <p:txBody>
+            <a:bodyPr rtlCol="0" anchor="ctr"/>
+            <a:lstStyle/>
+            <a:p>
+              <a:pPr algn="ctr"/>
+              <a:r>
+                <a:rPr lang="en-US" altLang="ko-KR" dirty="0"/>
+                <a:t>20</a:t>
+              </a:r>
+              <a:endParaRPr lang="ko-KR" altLang="en-US" dirty="0"/>
+            </a:p>
+          </p:txBody>
+        </p:sp>
+        <p:sp>
+          <p:nvSpPr>
+            <p:cNvPr id="79" name="직사각형 78">
+              <a:extLst>
+                <a:ext uri="{FF2B5EF4-FFF2-40B4-BE49-F238E27FC236}">
+                  <a16:creationId xmlns:a16="http://schemas.microsoft.com/office/drawing/2014/main" id="{137272A9-5AD2-AB9A-D17A-0EA0F02C9BC4}"/>
+                </a:ext>
+              </a:extLst>
+            </p:cNvPr>
+            <p:cNvSpPr/>
+            <p:nvPr/>
+          </p:nvSpPr>
+          <p:spPr>
+            <a:xfrm>
+              <a:off x="3929425" y="3793237"/>
+              <a:ext cx="531738" cy="286327"/>
+            </a:xfrm>
+            <a:prstGeom prst="rect">
+              <a:avLst/>
+            </a:prstGeom>
+            <a:solidFill>
+              <a:schemeClr val="accent2"/>
+            </a:solidFill>
+            <a:ln>
+              <a:noFill/>
+            </a:ln>
+          </p:spPr>
+          <p:style>
+            <a:lnRef idx="2">
+              <a:schemeClr val="accent1">
+                <a:shade val="50000"/>
+              </a:schemeClr>
+            </a:lnRef>
+            <a:fillRef idx="1">
+              <a:schemeClr val="accent1"/>
+            </a:fillRef>
+            <a:effectRef idx="0">
+              <a:schemeClr val="accent1"/>
+            </a:effectRef>
+            <a:fontRef idx="minor">
+              <a:schemeClr val="lt1"/>
+            </a:fontRef>
+          </p:style>
+          <p:txBody>
+            <a:bodyPr rtlCol="0" anchor="ctr"/>
+            <a:lstStyle/>
+            <a:p>
+              <a:pPr algn="ctr"/>
+              <a:r>
+                <a:rPr lang="en-US" altLang="ko-KR" dirty="0"/>
+                <a:t>23</a:t>
+              </a:r>
+              <a:endParaRPr lang="ko-KR" altLang="en-US" dirty="0"/>
+            </a:p>
+          </p:txBody>
+        </p:sp>
+        <p:sp>
+          <p:nvSpPr>
+            <p:cNvPr id="80" name="직사각형 79">
+              <a:extLst>
+                <a:ext uri="{FF2B5EF4-FFF2-40B4-BE49-F238E27FC236}">
+                  <a16:creationId xmlns:a16="http://schemas.microsoft.com/office/drawing/2014/main" id="{661EED06-73C2-191C-D267-A31621F1272C}"/>
+                </a:ext>
+              </a:extLst>
+            </p:cNvPr>
+            <p:cNvSpPr/>
+            <p:nvPr/>
+          </p:nvSpPr>
+          <p:spPr>
+            <a:xfrm>
+              <a:off x="1828800" y="4079564"/>
+              <a:ext cx="459225" cy="286327"/>
+            </a:xfrm>
+            <a:prstGeom prst="rect">
+              <a:avLst/>
+            </a:prstGeom>
+            <a:solidFill>
+              <a:schemeClr val="accent2"/>
+            </a:solidFill>
+            <a:ln>
+              <a:noFill/>
+            </a:ln>
+          </p:spPr>
+          <p:style>
+            <a:lnRef idx="2">
+              <a:schemeClr val="accent1">
+                <a:shade val="50000"/>
+              </a:schemeClr>
+            </a:lnRef>
+            <a:fillRef idx="1">
+              <a:schemeClr val="accent1"/>
+            </a:fillRef>
+            <a:effectRef idx="0">
+              <a:schemeClr val="accent1"/>
+            </a:effectRef>
+            <a:fontRef idx="minor">
+              <a:schemeClr val="lt1"/>
+            </a:fontRef>
+          </p:style>
+          <p:txBody>
+            <a:bodyPr rtlCol="0" anchor="ctr"/>
+            <a:lstStyle/>
+            <a:p>
+              <a:pPr algn="ctr"/>
+              <a:r>
+                <a:rPr lang="en-US" altLang="ko-KR" dirty="0"/>
+                <a:t>25</a:t>
+              </a:r>
+              <a:endParaRPr lang="ko-KR" altLang="en-US" dirty="0"/>
+            </a:p>
+          </p:txBody>
+        </p:sp>
+        <p:sp>
+          <p:nvSpPr>
+            <p:cNvPr id="81" name="직사각형 80">
+              <a:extLst>
+                <a:ext uri="{FF2B5EF4-FFF2-40B4-BE49-F238E27FC236}">
+                  <a16:creationId xmlns:a16="http://schemas.microsoft.com/office/drawing/2014/main" id="{E3FD6E4D-FAB4-85A2-3ED2-AC4BEA83245B}"/>
+                </a:ext>
+              </a:extLst>
+            </p:cNvPr>
+            <p:cNvSpPr/>
+            <p:nvPr/>
+          </p:nvSpPr>
+          <p:spPr>
+            <a:xfrm>
+              <a:off x="4731611" y="4156071"/>
+              <a:ext cx="459225" cy="286327"/>
+            </a:xfrm>
+            <a:prstGeom prst="rect">
+              <a:avLst/>
+            </a:prstGeom>
+            <a:solidFill>
+              <a:schemeClr val="accent2"/>
+            </a:solidFill>
+            <a:ln>
+              <a:noFill/>
+            </a:ln>
+          </p:spPr>
+          <p:style>
+            <a:lnRef idx="2">
+              <a:schemeClr val="accent1">
+                <a:shade val="50000"/>
+              </a:schemeClr>
+            </a:lnRef>
+            <a:fillRef idx="1">
+              <a:schemeClr val="accent1"/>
+            </a:fillRef>
+            <a:effectRef idx="0">
+              <a:schemeClr val="accent1"/>
+            </a:effectRef>
+            <a:fontRef idx="minor">
+              <a:schemeClr val="lt1"/>
+            </a:fontRef>
+          </p:style>
+          <p:txBody>
+            <a:bodyPr rtlCol="0" anchor="ctr"/>
+            <a:lstStyle/>
+            <a:p>
+              <a:pPr algn="ctr"/>
+              <a:r>
+                <a:rPr lang="en-US" altLang="ko-KR" dirty="0"/>
+                <a:t>26</a:t>
+              </a:r>
+              <a:endParaRPr lang="ko-KR" altLang="en-US" dirty="0"/>
+            </a:p>
+          </p:txBody>
+        </p:sp>
+        <p:sp>
+          <p:nvSpPr>
+            <p:cNvPr id="82" name="직사각형 81">
+              <a:extLst>
+                <a:ext uri="{FF2B5EF4-FFF2-40B4-BE49-F238E27FC236}">
+                  <a16:creationId xmlns:a16="http://schemas.microsoft.com/office/drawing/2014/main" id="{7F42D88C-3E10-E8B2-0D36-D4079B0924AA}"/>
+                </a:ext>
+              </a:extLst>
+            </p:cNvPr>
+            <p:cNvSpPr/>
+            <p:nvPr/>
+          </p:nvSpPr>
+          <p:spPr>
+            <a:xfrm>
+              <a:off x="8653177" y="4198441"/>
+              <a:ext cx="459224" cy="286327"/>
+            </a:xfrm>
+            <a:prstGeom prst="rect">
+              <a:avLst/>
+            </a:prstGeom>
+            <a:solidFill>
+              <a:schemeClr val="accent2"/>
+            </a:solidFill>
+            <a:ln>
+              <a:noFill/>
+            </a:ln>
+          </p:spPr>
+          <p:style>
+            <a:lnRef idx="2">
+              <a:schemeClr val="accent1">
+                <a:shade val="50000"/>
+              </a:schemeClr>
+            </a:lnRef>
+            <a:fillRef idx="1">
+              <a:schemeClr val="accent1"/>
+            </a:fillRef>
+            <a:effectRef idx="0">
+              <a:schemeClr val="accent1"/>
+            </a:effectRef>
+            <a:fontRef idx="minor">
+              <a:schemeClr val="lt1"/>
+            </a:fontRef>
+          </p:style>
+          <p:txBody>
+            <a:bodyPr rtlCol="0" anchor="ctr"/>
+            <a:lstStyle/>
+            <a:p>
+              <a:pPr algn="ctr"/>
+              <a:r>
+                <a:rPr lang="en-US" altLang="ko-KR" dirty="0"/>
+                <a:t>27</a:t>
+              </a:r>
+              <a:endParaRPr lang="ko-KR" altLang="en-US" dirty="0"/>
+            </a:p>
+          </p:txBody>
+        </p:sp>
+        <p:sp>
+          <p:nvSpPr>
+            <p:cNvPr id="83" name="직사각형 82">
+              <a:extLst>
+                <a:ext uri="{FF2B5EF4-FFF2-40B4-BE49-F238E27FC236}">
+                  <a16:creationId xmlns:a16="http://schemas.microsoft.com/office/drawing/2014/main" id="{AAB85786-3F8C-1232-E606-97DDD5B2E500}"/>
+                </a:ext>
+              </a:extLst>
+            </p:cNvPr>
+            <p:cNvSpPr/>
+            <p:nvPr/>
+          </p:nvSpPr>
+          <p:spPr>
+            <a:xfrm>
+              <a:off x="6652774" y="4442397"/>
+              <a:ext cx="459225" cy="286327"/>
+            </a:xfrm>
+            <a:prstGeom prst="rect">
+              <a:avLst/>
+            </a:prstGeom>
+            <a:solidFill>
+              <a:schemeClr val="accent2"/>
+            </a:solidFill>
+            <a:ln>
+              <a:noFill/>
+            </a:ln>
+          </p:spPr>
+          <p:style>
+            <a:lnRef idx="2">
+              <a:schemeClr val="accent1">
+                <a:shade val="50000"/>
+              </a:schemeClr>
+            </a:lnRef>
+            <a:fillRef idx="1">
+              <a:schemeClr val="accent1"/>
+            </a:fillRef>
+            <a:effectRef idx="0">
+              <a:schemeClr val="accent1"/>
+            </a:effectRef>
+            <a:fontRef idx="minor">
+              <a:schemeClr val="lt1"/>
+            </a:fontRef>
+          </p:style>
+          <p:txBody>
+            <a:bodyPr rtlCol="0" anchor="ctr"/>
+            <a:lstStyle/>
+            <a:p>
+              <a:pPr algn="ctr"/>
+              <a:r>
+                <a:rPr lang="en-US" altLang="ko-KR" dirty="0"/>
+                <a:t>28</a:t>
+              </a:r>
+              <a:endParaRPr lang="ko-KR" altLang="en-US" dirty="0"/>
+            </a:p>
+          </p:txBody>
+        </p:sp>
+        <p:sp>
+          <p:nvSpPr>
+            <p:cNvPr id="84" name="직사각형 83">
+              <a:extLst>
+                <a:ext uri="{FF2B5EF4-FFF2-40B4-BE49-F238E27FC236}">
+                  <a16:creationId xmlns:a16="http://schemas.microsoft.com/office/drawing/2014/main" id="{BB38B495-3883-8704-0997-7574A435DA61}"/>
+                </a:ext>
+              </a:extLst>
+            </p:cNvPr>
+            <p:cNvSpPr/>
+            <p:nvPr/>
+          </p:nvSpPr>
+          <p:spPr>
+            <a:xfrm>
+              <a:off x="8672943" y="4484768"/>
+              <a:ext cx="439457" cy="286327"/>
+            </a:xfrm>
+            <a:prstGeom prst="rect">
+              <a:avLst/>
+            </a:prstGeom>
+            <a:solidFill>
+              <a:schemeClr val="accent2"/>
+            </a:solidFill>
+            <a:ln>
+              <a:noFill/>
+            </a:ln>
+          </p:spPr>
+          <p:style>
+            <a:lnRef idx="2">
+              <a:schemeClr val="accent1">
+                <a:shade val="50000"/>
+              </a:schemeClr>
+            </a:lnRef>
+            <a:fillRef idx="1">
+              <a:schemeClr val="accent1"/>
+            </a:fillRef>
+            <a:effectRef idx="0">
+              <a:schemeClr val="accent1"/>
+            </a:effectRef>
+            <a:fontRef idx="minor">
+              <a:schemeClr val="lt1"/>
+            </a:fontRef>
+          </p:style>
+          <p:txBody>
+            <a:bodyPr rtlCol="0" anchor="ctr"/>
+            <a:lstStyle/>
+            <a:p>
+              <a:pPr algn="ctr"/>
+              <a:r>
+                <a:rPr lang="en-US" altLang="ko-KR" dirty="0"/>
+                <a:t>29</a:t>
+              </a:r>
+              <a:endParaRPr lang="ko-KR" altLang="en-US" dirty="0"/>
+            </a:p>
+          </p:txBody>
+        </p:sp>
+        <p:sp>
+          <p:nvSpPr>
+            <p:cNvPr id="85" name="직사각형 84">
+              <a:extLst>
+                <a:ext uri="{FF2B5EF4-FFF2-40B4-BE49-F238E27FC236}">
+                  <a16:creationId xmlns:a16="http://schemas.microsoft.com/office/drawing/2014/main" id="{538F82C3-1BFE-110D-45E0-B64C4D1B914D}"/>
+                </a:ext>
+              </a:extLst>
+            </p:cNvPr>
+            <p:cNvSpPr/>
+            <p:nvPr/>
+          </p:nvSpPr>
+          <p:spPr>
+            <a:xfrm>
+              <a:off x="7808254" y="4789274"/>
+              <a:ext cx="864689" cy="286327"/>
+            </a:xfrm>
+            <a:prstGeom prst="rect">
+              <a:avLst/>
+            </a:prstGeom>
+            <a:solidFill>
+              <a:schemeClr val="accent2"/>
+            </a:solidFill>
+            <a:ln>
+              <a:noFill/>
+            </a:ln>
+          </p:spPr>
+          <p:style>
+            <a:lnRef idx="2">
+              <a:schemeClr val="accent1">
+                <a:shade val="50000"/>
+              </a:schemeClr>
+            </a:lnRef>
+            <a:fillRef idx="1">
+              <a:schemeClr val="accent1"/>
+            </a:fillRef>
+            <a:effectRef idx="0">
+              <a:schemeClr val="accent1"/>
+            </a:effectRef>
+            <a:fontRef idx="minor">
+              <a:schemeClr val="lt1"/>
+            </a:fontRef>
+          </p:style>
+          <p:txBody>
+            <a:bodyPr rtlCol="0" anchor="ctr"/>
+            <a:lstStyle/>
+            <a:p>
+              <a:pPr algn="ctr"/>
+              <a:r>
+                <a:rPr lang="en-US" altLang="ko-KR" dirty="0"/>
+                <a:t>30~36</a:t>
+              </a:r>
+              <a:endParaRPr lang="ko-KR" altLang="en-US" dirty="0"/>
+            </a:p>
+          </p:txBody>
+        </p:sp>
+        <p:sp>
+          <p:nvSpPr>
+            <p:cNvPr id="86" name="직사각형 85">
+              <a:extLst>
+                <a:ext uri="{FF2B5EF4-FFF2-40B4-BE49-F238E27FC236}">
+                  <a16:creationId xmlns:a16="http://schemas.microsoft.com/office/drawing/2014/main" id="{8FC3B091-F171-DA23-5E61-9B3E853C243B}"/>
+                </a:ext>
+              </a:extLst>
+            </p:cNvPr>
+            <p:cNvSpPr/>
+            <p:nvPr/>
+          </p:nvSpPr>
+          <p:spPr>
+            <a:xfrm>
+              <a:off x="2155602" y="5140559"/>
+              <a:ext cx="864689" cy="286327"/>
+            </a:xfrm>
+            <a:prstGeom prst="rect">
+              <a:avLst/>
+            </a:prstGeom>
+            <a:solidFill>
+              <a:schemeClr val="accent2"/>
+            </a:solidFill>
+            <a:ln>
+              <a:noFill/>
+            </a:ln>
+          </p:spPr>
+          <p:style>
+            <a:lnRef idx="2">
+              <a:schemeClr val="accent1">
+                <a:shade val="50000"/>
+              </a:schemeClr>
+            </a:lnRef>
+            <a:fillRef idx="1">
+              <a:schemeClr val="accent1"/>
+            </a:fillRef>
+            <a:effectRef idx="0">
+              <a:schemeClr val="accent1"/>
+            </a:effectRef>
+            <a:fontRef idx="minor">
+              <a:schemeClr val="lt1"/>
+            </a:fontRef>
+          </p:style>
+          <p:txBody>
+            <a:bodyPr rtlCol="0" anchor="ctr"/>
+            <a:lstStyle/>
+            <a:p>
+              <a:pPr algn="ctr"/>
+              <a:r>
+                <a:rPr lang="en-US" altLang="ko-KR" dirty="0"/>
+                <a:t>37</a:t>
+              </a:r>
+              <a:endParaRPr lang="ko-KR" altLang="en-US" dirty="0"/>
+            </a:p>
+          </p:txBody>
+        </p:sp>
+        <p:sp>
+          <p:nvSpPr>
+            <p:cNvPr id="87" name="직사각형 86">
+              <a:extLst>
+                <a:ext uri="{FF2B5EF4-FFF2-40B4-BE49-F238E27FC236}">
+                  <a16:creationId xmlns:a16="http://schemas.microsoft.com/office/drawing/2014/main" id="{F7246A1A-CC07-AB04-18AA-F0A3F62EE118}"/>
+                </a:ext>
+              </a:extLst>
+            </p:cNvPr>
+            <p:cNvSpPr/>
+            <p:nvPr/>
+          </p:nvSpPr>
+          <p:spPr>
+            <a:xfrm>
+              <a:off x="5609273" y="5123804"/>
+              <a:ext cx="538095" cy="286327"/>
+            </a:xfrm>
+            <a:prstGeom prst="rect">
+              <a:avLst/>
+            </a:prstGeom>
+            <a:solidFill>
+              <a:schemeClr val="accent2"/>
+            </a:solidFill>
+            <a:ln>
+              <a:noFill/>
+            </a:ln>
+          </p:spPr>
+          <p:style>
+            <a:lnRef idx="2">
+              <a:schemeClr val="accent1">
+                <a:shade val="50000"/>
+              </a:schemeClr>
+            </a:lnRef>
+            <a:fillRef idx="1">
+              <a:schemeClr val="accent1"/>
+            </a:fillRef>
+            <a:effectRef idx="0">
+              <a:schemeClr val="accent1"/>
+            </a:effectRef>
+            <a:fontRef idx="minor">
+              <a:schemeClr val="lt1"/>
+            </a:fontRef>
+          </p:style>
+          <p:txBody>
+            <a:bodyPr rtlCol="0" anchor="ctr"/>
+            <a:lstStyle/>
+            <a:p>
+              <a:pPr algn="ctr"/>
+              <a:r>
+                <a:rPr lang="en-US" altLang="ko-KR" dirty="0"/>
+                <a:t>38</a:t>
+              </a:r>
+              <a:endParaRPr lang="ko-KR" altLang="en-US" dirty="0"/>
+            </a:p>
+          </p:txBody>
+        </p:sp>
+        <p:sp>
+          <p:nvSpPr>
+            <p:cNvPr id="88" name="직사각형 87">
+              <a:extLst>
+                <a:ext uri="{FF2B5EF4-FFF2-40B4-BE49-F238E27FC236}">
+                  <a16:creationId xmlns:a16="http://schemas.microsoft.com/office/drawing/2014/main" id="{5E25DB93-6960-4ECF-B185-F87E7FF14C02}"/>
+                </a:ext>
+              </a:extLst>
+            </p:cNvPr>
+            <p:cNvSpPr/>
+            <p:nvPr/>
+          </p:nvSpPr>
+          <p:spPr>
+            <a:xfrm>
+              <a:off x="6749291" y="5539441"/>
+              <a:ext cx="538095" cy="286327"/>
+            </a:xfrm>
+            <a:prstGeom prst="rect">
+              <a:avLst/>
+            </a:prstGeom>
+            <a:solidFill>
+              <a:schemeClr val="accent2"/>
+            </a:solidFill>
+            <a:ln>
+              <a:noFill/>
+            </a:ln>
+          </p:spPr>
+          <p:style>
+            <a:lnRef idx="2">
+              <a:schemeClr val="accent1">
+                <a:shade val="50000"/>
+              </a:schemeClr>
+            </a:lnRef>
+            <a:fillRef idx="1">
+              <a:schemeClr val="accent1"/>
+            </a:fillRef>
+            <a:effectRef idx="0">
+              <a:schemeClr val="accent1"/>
+            </a:effectRef>
+            <a:fontRef idx="minor">
+              <a:schemeClr val="lt1"/>
+            </a:fontRef>
+          </p:style>
+          <p:txBody>
+            <a:bodyPr rtlCol="0" anchor="ctr"/>
+            <a:lstStyle/>
+            <a:p>
+              <a:pPr algn="ctr"/>
+              <a:r>
+                <a:rPr lang="en-US" altLang="ko-KR" dirty="0"/>
+                <a:t>39</a:t>
+              </a:r>
+              <a:endParaRPr lang="ko-KR" altLang="en-US" dirty="0"/>
+            </a:p>
+          </p:txBody>
+        </p:sp>
+        <p:sp>
+          <p:nvSpPr>
+            <p:cNvPr id="89" name="직사각형 88">
+              <a:extLst>
+                <a:ext uri="{FF2B5EF4-FFF2-40B4-BE49-F238E27FC236}">
+                  <a16:creationId xmlns:a16="http://schemas.microsoft.com/office/drawing/2014/main" id="{95FCE5B1-9865-D77F-2D6B-5E34D4B40B56}"/>
+                </a:ext>
+              </a:extLst>
+            </p:cNvPr>
+            <p:cNvSpPr/>
+            <p:nvPr/>
+          </p:nvSpPr>
+          <p:spPr>
+            <a:xfrm>
+              <a:off x="7394540" y="5539441"/>
+              <a:ext cx="538095" cy="286327"/>
+            </a:xfrm>
+            <a:prstGeom prst="rect">
+              <a:avLst/>
+            </a:prstGeom>
+            <a:solidFill>
+              <a:schemeClr val="accent2"/>
+            </a:solidFill>
+            <a:ln>
+              <a:noFill/>
+            </a:ln>
+          </p:spPr>
+          <p:style>
+            <a:lnRef idx="2">
+              <a:schemeClr val="accent1">
+                <a:shade val="50000"/>
+              </a:schemeClr>
+            </a:lnRef>
+            <a:fillRef idx="1">
+              <a:schemeClr val="accent1"/>
+            </a:fillRef>
+            <a:effectRef idx="0">
+              <a:schemeClr val="accent1"/>
+            </a:effectRef>
+            <a:fontRef idx="minor">
+              <a:schemeClr val="lt1"/>
+            </a:fontRef>
+          </p:style>
+          <p:txBody>
+            <a:bodyPr rtlCol="0" anchor="ctr"/>
+            <a:lstStyle/>
+            <a:p>
+              <a:pPr algn="ctr"/>
+              <a:r>
+                <a:rPr lang="en-US" altLang="ko-KR" dirty="0"/>
+                <a:t>40</a:t>
+              </a:r>
+              <a:endParaRPr lang="ko-KR" altLang="en-US" dirty="0"/>
+            </a:p>
+          </p:txBody>
+        </p:sp>
+        <p:sp>
+          <p:nvSpPr>
+            <p:cNvPr id="90" name="직사각형 89">
+              <a:extLst>
+                <a:ext uri="{FF2B5EF4-FFF2-40B4-BE49-F238E27FC236}">
+                  <a16:creationId xmlns:a16="http://schemas.microsoft.com/office/drawing/2014/main" id="{3F82A824-0C47-0E45-5F1D-F7F36DCD1E35}"/>
+                </a:ext>
+              </a:extLst>
+            </p:cNvPr>
+            <p:cNvSpPr/>
+            <p:nvPr/>
+          </p:nvSpPr>
+          <p:spPr>
+            <a:xfrm>
+              <a:off x="10139084" y="5140559"/>
+              <a:ext cx="538095" cy="286327"/>
+            </a:xfrm>
+            <a:prstGeom prst="rect">
+              <a:avLst/>
+            </a:prstGeom>
+            <a:solidFill>
+              <a:schemeClr val="accent2"/>
+            </a:solidFill>
+            <a:ln>
+              <a:noFill/>
+            </a:ln>
+          </p:spPr>
+          <p:style>
+            <a:lnRef idx="2">
+              <a:schemeClr val="accent1">
+                <a:shade val="50000"/>
+              </a:schemeClr>
+            </a:lnRef>
+            <a:fillRef idx="1">
+              <a:schemeClr val="accent1"/>
+            </a:fillRef>
+            <a:effectRef idx="0">
+              <a:schemeClr val="accent1"/>
+            </a:effectRef>
+            <a:fontRef idx="minor">
+              <a:schemeClr val="lt1"/>
+            </a:fontRef>
+          </p:style>
+          <p:txBody>
+            <a:bodyPr rtlCol="0" anchor="ctr"/>
+            <a:lstStyle/>
+            <a:p>
+              <a:pPr algn="ctr"/>
+              <a:r>
+                <a:rPr lang="en-US" altLang="ko-KR" dirty="0"/>
+                <a:t>41</a:t>
+              </a:r>
+              <a:endParaRPr lang="ko-KR" altLang="en-US" dirty="0"/>
+            </a:p>
+          </p:txBody>
+        </p:sp>
+        <p:sp>
+          <p:nvSpPr>
+            <p:cNvPr id="91" name="직사각형 90">
+              <a:extLst>
+                <a:ext uri="{FF2B5EF4-FFF2-40B4-BE49-F238E27FC236}">
+                  <a16:creationId xmlns:a16="http://schemas.microsoft.com/office/drawing/2014/main" id="{BA8B6A76-AAAF-EA00-EC36-8FBBE0C946A9}"/>
+                </a:ext>
+              </a:extLst>
+            </p:cNvPr>
+            <p:cNvSpPr/>
+            <p:nvPr/>
+          </p:nvSpPr>
+          <p:spPr>
+            <a:xfrm>
+              <a:off x="10139083" y="5825768"/>
+              <a:ext cx="538095" cy="286327"/>
+            </a:xfrm>
+            <a:prstGeom prst="rect">
+              <a:avLst/>
+            </a:prstGeom>
+            <a:solidFill>
+              <a:schemeClr val="accent2"/>
+            </a:solidFill>
+            <a:ln>
+              <a:noFill/>
+            </a:ln>
+          </p:spPr>
+          <p:style>
+            <a:lnRef idx="2">
+              <a:schemeClr val="accent1">
+                <a:shade val="50000"/>
+              </a:schemeClr>
+            </a:lnRef>
+            <a:fillRef idx="1">
+              <a:schemeClr val="accent1"/>
+            </a:fillRef>
+            <a:effectRef idx="0">
+              <a:schemeClr val="accent1"/>
+            </a:effectRef>
+            <a:fontRef idx="minor">
+              <a:schemeClr val="lt1"/>
+            </a:fontRef>
+          </p:style>
+          <p:txBody>
+            <a:bodyPr rtlCol="0" anchor="ctr"/>
+            <a:lstStyle/>
+            <a:p>
+              <a:pPr algn="ctr"/>
+              <a:r>
+                <a:rPr lang="en-US" altLang="ko-KR" dirty="0"/>
+                <a:t>42</a:t>
+              </a:r>
+              <a:endParaRPr lang="ko-KR" altLang="en-US" dirty="0"/>
+            </a:p>
+          </p:txBody>
+        </p:sp>
+      </p:grpSp>
+    </p:spTree>
+    <p:extLst>
+      <p:ext uri="{BB962C8B-B14F-4D97-AF65-F5344CB8AC3E}">
+        <p14:creationId xmlns:p14="http://schemas.microsoft.com/office/powerpoint/2010/main" val="2176882775"/>
+      </p:ext>
+    </p:extLst>
+  </p:cSld>
+  <p:clrMapOvr>
+    <a:masterClrMapping/>
+  </p:clrMapOvr>
+</p:sld>
+</file>
+
+<file path=ppt/slides/slide3.xml><?xml version="1.0" encoding="utf-8"?>
+<p:sld xmlns:a="http://schemas.openxmlformats.org/drawingml/2006/main" xmlns:r="http://schemas.openxmlformats.org/officeDocument/2006/relationships" xmlns:p="http://schemas.openxmlformats.org/presentationml/2006/main">
+  <p:cSld>
+    <p:spTree>
+      <p:nvGrpSpPr>
+        <p:cNvPr id="1" name=""/>
+        <p:cNvGrpSpPr/>
+        <p:nvPr/>
+      </p:nvGrpSpPr>
+      <p:grpSpPr>
+        <a:xfrm>
+          <a:off x="0" y="0"/>
+          <a:ext cx="0" cy="0"/>
+          <a:chOff x="0" y="0"/>
+          <a:chExt cx="0" cy="0"/>
+        </a:xfrm>
+      </p:grpSpPr>
+      <p:grpSp>
+        <p:nvGrpSpPr>
+          <p:cNvPr id="20" name="그룹 19">
+            <a:extLst>
+              <a:ext uri="{FF2B5EF4-FFF2-40B4-BE49-F238E27FC236}">
+                <a16:creationId xmlns:a16="http://schemas.microsoft.com/office/drawing/2014/main" id="{54304C7B-113E-0D08-F605-0A99A5DDCC4D}"/>
+              </a:ext>
+            </a:extLst>
+          </p:cNvPr>
+          <p:cNvGrpSpPr/>
+          <p:nvPr/>
+        </p:nvGrpSpPr>
+        <p:grpSpPr>
+          <a:xfrm>
+            <a:off x="1400748" y="831273"/>
+            <a:ext cx="10054114" cy="5551054"/>
+            <a:chOff x="1400748" y="831273"/>
+            <a:chExt cx="10054114" cy="5551054"/>
+          </a:xfrm>
+        </p:grpSpPr>
+        <p:pic>
+          <p:nvPicPr>
+            <p:cNvPr id="54" name="그림 53" descr="텍스트, 스크린샷, 번호, 평행이(가) 표시된 사진&#10;&#10;자동 생성된 설명">
+              <a:extLst>
+                <a:ext uri="{FF2B5EF4-FFF2-40B4-BE49-F238E27FC236}">
+                  <a16:creationId xmlns:a16="http://schemas.microsoft.com/office/drawing/2014/main" id="{3ED1B6B2-456F-641A-30DF-4AB3570E93B4}"/>
+                </a:ext>
+              </a:extLst>
+            </p:cNvPr>
+            <p:cNvPicPr>
+              <a:picLocks noChangeAspect="1"/>
+            </p:cNvPicPr>
+            <p:nvPr/>
+          </p:nvPicPr>
+          <p:blipFill rotWithShape="1">
+            <a:blip r:embed="rId2">
+              <a:extLst>
+                <a:ext uri="{28A0092B-C50C-407E-A947-70E740481C1C}">
+                  <a14:useLocalDpi xmlns:a14="http://schemas.microsoft.com/office/drawing/2010/main" val="0"/>
+                </a:ext>
+              </a:extLst>
+            </a:blip>
+            <a:srcRect t="60875"/>
+            <a:stretch/>
+          </p:blipFill>
+          <p:spPr>
+            <a:xfrm>
+              <a:off x="1400748" y="831273"/>
+              <a:ext cx="10026066" cy="5551054"/>
+            </a:xfrm>
+            <a:prstGeom prst="rect">
+              <a:avLst/>
+            </a:prstGeom>
+          </p:spPr>
+        </p:pic>
+        <p:sp>
+          <p:nvSpPr>
+            <p:cNvPr id="2" name="직사각형 1">
+              <a:extLst>
+                <a:ext uri="{FF2B5EF4-FFF2-40B4-BE49-F238E27FC236}">
+                  <a16:creationId xmlns:a16="http://schemas.microsoft.com/office/drawing/2014/main" id="{C04B2959-E9F6-C716-D844-8B3297863D75}"/>
+                </a:ext>
+              </a:extLst>
+            </p:cNvPr>
+            <p:cNvSpPr/>
+            <p:nvPr/>
+          </p:nvSpPr>
+          <p:spPr>
+            <a:xfrm>
+              <a:off x="10360755" y="976677"/>
+              <a:ext cx="538095" cy="286327"/>
+            </a:xfrm>
+            <a:prstGeom prst="rect">
+              <a:avLst/>
+            </a:prstGeom>
+            <a:solidFill>
+              <a:schemeClr val="accent2"/>
+            </a:solidFill>
+            <a:ln>
+              <a:noFill/>
+            </a:ln>
+          </p:spPr>
+          <p:style>
+            <a:lnRef idx="2">
+              <a:schemeClr val="accent1">
+                <a:shade val="50000"/>
+              </a:schemeClr>
+            </a:lnRef>
+            <a:fillRef idx="1">
+              <a:schemeClr val="accent1"/>
+            </a:fillRef>
+            <a:effectRef idx="0">
+              <a:schemeClr val="accent1"/>
+            </a:effectRef>
+            <a:fontRef idx="minor">
+              <a:schemeClr val="lt1"/>
+            </a:fontRef>
+          </p:style>
+          <p:txBody>
+            <a:bodyPr rtlCol="0" anchor="ctr"/>
+            <a:lstStyle/>
+            <a:p>
+              <a:pPr algn="ctr"/>
+              <a:r>
+                <a:rPr lang="en-US" altLang="ko-KR" dirty="0"/>
+                <a:t>43</a:t>
+              </a:r>
+              <a:endParaRPr lang="ko-KR" altLang="en-US" dirty="0"/>
+            </a:p>
+          </p:txBody>
+        </p:sp>
+        <p:sp>
+          <p:nvSpPr>
+            <p:cNvPr id="3" name="직사각형 2">
+              <a:extLst>
+                <a:ext uri="{FF2B5EF4-FFF2-40B4-BE49-F238E27FC236}">
+                  <a16:creationId xmlns:a16="http://schemas.microsoft.com/office/drawing/2014/main" id="{CAA400E4-4F6E-1391-D7C2-7CB9C189A371}"/>
+                </a:ext>
+              </a:extLst>
+            </p:cNvPr>
+            <p:cNvSpPr/>
+            <p:nvPr/>
+          </p:nvSpPr>
+          <p:spPr>
+            <a:xfrm>
+              <a:off x="7035664" y="1263004"/>
+              <a:ext cx="538095" cy="286327"/>
+            </a:xfrm>
+            <a:prstGeom prst="rect">
+              <a:avLst/>
+            </a:prstGeom>
+            <a:solidFill>
+              <a:schemeClr val="accent2"/>
+            </a:solidFill>
+            <a:ln>
+              <a:noFill/>
+            </a:ln>
+          </p:spPr>
+          <p:style>
+            <a:lnRef idx="2">
+              <a:schemeClr val="accent1">
+                <a:shade val="50000"/>
+              </a:schemeClr>
+            </a:lnRef>
+            <a:fillRef idx="1">
+              <a:schemeClr val="accent1"/>
+            </a:fillRef>
+            <a:effectRef idx="0">
+              <a:schemeClr val="accent1"/>
+            </a:effectRef>
+            <a:fontRef idx="minor">
+              <a:schemeClr val="lt1"/>
+            </a:fontRef>
+          </p:style>
+          <p:txBody>
+            <a:bodyPr rtlCol="0" anchor="ctr"/>
+            <a:lstStyle/>
+            <a:p>
+              <a:pPr algn="ctr"/>
+              <a:r>
+                <a:rPr lang="en-US" altLang="ko-KR" dirty="0"/>
+                <a:t>44</a:t>
+              </a:r>
+              <a:endParaRPr lang="ko-KR" altLang="en-US" dirty="0"/>
+            </a:p>
+          </p:txBody>
+        </p:sp>
+        <p:sp>
+          <p:nvSpPr>
+            <p:cNvPr id="4" name="직사각형 3">
+              <a:extLst>
+                <a:ext uri="{FF2B5EF4-FFF2-40B4-BE49-F238E27FC236}">
+                  <a16:creationId xmlns:a16="http://schemas.microsoft.com/office/drawing/2014/main" id="{9581E644-5123-4162-EE61-A2DED350587C}"/>
+                </a:ext>
+              </a:extLst>
+            </p:cNvPr>
+            <p:cNvSpPr/>
+            <p:nvPr/>
+          </p:nvSpPr>
+          <p:spPr>
+            <a:xfrm>
+              <a:off x="2694573" y="3390900"/>
+              <a:ext cx="538095" cy="286327"/>
+            </a:xfrm>
+            <a:prstGeom prst="rect">
+              <a:avLst/>
+            </a:prstGeom>
+            <a:solidFill>
+              <a:schemeClr val="accent2"/>
+            </a:solidFill>
+            <a:ln>
+              <a:noFill/>
+            </a:ln>
+          </p:spPr>
+          <p:style>
+            <a:lnRef idx="2">
+              <a:schemeClr val="accent1">
+                <a:shade val="50000"/>
+              </a:schemeClr>
+            </a:lnRef>
+            <a:fillRef idx="1">
+              <a:schemeClr val="accent1"/>
+            </a:fillRef>
+            <a:effectRef idx="0">
+              <a:schemeClr val="accent1"/>
+            </a:effectRef>
+            <a:fontRef idx="minor">
+              <a:schemeClr val="lt1"/>
+            </a:fontRef>
+          </p:style>
+          <p:txBody>
+            <a:bodyPr rtlCol="0" anchor="ctr"/>
+            <a:lstStyle/>
+            <a:p>
+              <a:pPr algn="ctr"/>
+              <a:r>
+                <a:rPr lang="en-US" altLang="ko-KR" dirty="0"/>
+                <a:t>45</a:t>
+              </a:r>
+              <a:endParaRPr lang="ko-KR" altLang="en-US" dirty="0"/>
+            </a:p>
+          </p:txBody>
+        </p:sp>
+        <p:sp>
+          <p:nvSpPr>
+            <p:cNvPr id="5" name="직사각형 4">
+              <a:extLst>
+                <a:ext uri="{FF2B5EF4-FFF2-40B4-BE49-F238E27FC236}">
+                  <a16:creationId xmlns:a16="http://schemas.microsoft.com/office/drawing/2014/main" id="{D3AF2C02-9DB3-3BC6-7F6E-00E35D66A226}"/>
+                </a:ext>
+              </a:extLst>
+            </p:cNvPr>
+            <p:cNvSpPr/>
+            <p:nvPr/>
+          </p:nvSpPr>
+          <p:spPr>
+            <a:xfrm>
+              <a:off x="4126210" y="3397827"/>
+              <a:ext cx="538095" cy="286327"/>
+            </a:xfrm>
+            <a:prstGeom prst="rect">
+              <a:avLst/>
+            </a:prstGeom>
+            <a:solidFill>
+              <a:schemeClr val="accent2"/>
+            </a:solidFill>
+            <a:ln>
+              <a:noFill/>
+            </a:ln>
+          </p:spPr>
+          <p:style>
+            <a:lnRef idx="2">
+              <a:schemeClr val="accent1">
+                <a:shade val="50000"/>
+              </a:schemeClr>
+            </a:lnRef>
+            <a:fillRef idx="1">
+              <a:schemeClr val="accent1"/>
+            </a:fillRef>
+            <a:effectRef idx="0">
+              <a:schemeClr val="accent1"/>
+            </a:effectRef>
+            <a:fontRef idx="minor">
+              <a:schemeClr val="lt1"/>
+            </a:fontRef>
+          </p:style>
+          <p:txBody>
+            <a:bodyPr rtlCol="0" anchor="ctr"/>
+            <a:lstStyle/>
+            <a:p>
+              <a:pPr algn="ctr"/>
+              <a:r>
+                <a:rPr lang="en-US" altLang="ko-KR" dirty="0"/>
+                <a:t>46</a:t>
+              </a:r>
+              <a:endParaRPr lang="ko-KR" altLang="en-US" dirty="0"/>
+            </a:p>
+          </p:txBody>
+        </p:sp>
+        <p:sp>
+          <p:nvSpPr>
+            <p:cNvPr id="6" name="직사각형 5">
+              <a:extLst>
+                <a:ext uri="{FF2B5EF4-FFF2-40B4-BE49-F238E27FC236}">
+                  <a16:creationId xmlns:a16="http://schemas.microsoft.com/office/drawing/2014/main" id="{8AE53A2B-387F-A22C-B394-5D21675B6FAA}"/>
+                </a:ext>
+              </a:extLst>
+            </p:cNvPr>
+            <p:cNvSpPr/>
+            <p:nvPr/>
+          </p:nvSpPr>
+          <p:spPr>
+            <a:xfrm>
+              <a:off x="5557847" y="3390899"/>
+              <a:ext cx="538095" cy="286327"/>
+            </a:xfrm>
+            <a:prstGeom prst="rect">
+              <a:avLst/>
+            </a:prstGeom>
+            <a:solidFill>
+              <a:schemeClr val="accent2"/>
+            </a:solidFill>
+            <a:ln>
+              <a:noFill/>
+            </a:ln>
+          </p:spPr>
+          <p:style>
+            <a:lnRef idx="2">
+              <a:schemeClr val="accent1">
+                <a:shade val="50000"/>
+              </a:schemeClr>
+            </a:lnRef>
+            <a:fillRef idx="1">
+              <a:schemeClr val="accent1"/>
+            </a:fillRef>
+            <a:effectRef idx="0">
+              <a:schemeClr val="accent1"/>
+            </a:effectRef>
+            <a:fontRef idx="minor">
+              <a:schemeClr val="lt1"/>
+            </a:fontRef>
+          </p:style>
+          <p:txBody>
+            <a:bodyPr rtlCol="0" anchor="ctr"/>
+            <a:lstStyle/>
+            <a:p>
+              <a:pPr algn="ctr"/>
+              <a:r>
+                <a:rPr lang="en-US" altLang="ko-KR" dirty="0"/>
+                <a:t>47</a:t>
+              </a:r>
+              <a:endParaRPr lang="ko-KR" altLang="en-US" dirty="0"/>
+            </a:p>
+          </p:txBody>
+        </p:sp>
+        <p:sp>
+          <p:nvSpPr>
+            <p:cNvPr id="7" name="직사각형 6">
+              <a:extLst>
+                <a:ext uri="{FF2B5EF4-FFF2-40B4-BE49-F238E27FC236}">
+                  <a16:creationId xmlns:a16="http://schemas.microsoft.com/office/drawing/2014/main" id="{2D74EB75-EC15-4D61-07CC-6C288BFB2200}"/>
+                </a:ext>
+              </a:extLst>
+            </p:cNvPr>
+            <p:cNvSpPr/>
+            <p:nvPr/>
+          </p:nvSpPr>
+          <p:spPr>
+            <a:xfrm>
+              <a:off x="7220620" y="3397827"/>
+              <a:ext cx="538095" cy="286327"/>
+            </a:xfrm>
+            <a:prstGeom prst="rect">
+              <a:avLst/>
+            </a:prstGeom>
+            <a:solidFill>
+              <a:schemeClr val="accent2"/>
+            </a:solidFill>
+            <a:ln>
+              <a:noFill/>
+            </a:ln>
+          </p:spPr>
+          <p:style>
+            <a:lnRef idx="2">
+              <a:schemeClr val="accent1">
+                <a:shade val="50000"/>
+              </a:schemeClr>
+            </a:lnRef>
+            <a:fillRef idx="1">
+              <a:schemeClr val="accent1"/>
+            </a:fillRef>
+            <a:effectRef idx="0">
+              <a:schemeClr val="accent1"/>
+            </a:effectRef>
+            <a:fontRef idx="minor">
+              <a:schemeClr val="lt1"/>
+            </a:fontRef>
+          </p:style>
+          <p:txBody>
+            <a:bodyPr rtlCol="0" anchor="ctr"/>
+            <a:lstStyle/>
+            <a:p>
+              <a:pPr algn="ctr"/>
+              <a:r>
+                <a:rPr lang="en-US" altLang="ko-KR" dirty="0"/>
+                <a:t>48</a:t>
+              </a:r>
+              <a:endParaRPr lang="ko-KR" altLang="en-US" dirty="0"/>
+            </a:p>
+          </p:txBody>
+        </p:sp>
+        <p:sp>
+          <p:nvSpPr>
+            <p:cNvPr id="8" name="직사각형 7">
+              <a:extLst>
+                <a:ext uri="{FF2B5EF4-FFF2-40B4-BE49-F238E27FC236}">
+                  <a16:creationId xmlns:a16="http://schemas.microsoft.com/office/drawing/2014/main" id="{FC5034F2-2656-C6FC-1137-63F7FD562B00}"/>
+                </a:ext>
+              </a:extLst>
+            </p:cNvPr>
+            <p:cNvSpPr/>
+            <p:nvPr/>
+          </p:nvSpPr>
+          <p:spPr>
+            <a:xfrm>
+              <a:off x="7883026" y="3402445"/>
+              <a:ext cx="538095" cy="286327"/>
+            </a:xfrm>
+            <a:prstGeom prst="rect">
+              <a:avLst/>
+            </a:prstGeom>
+            <a:solidFill>
+              <a:schemeClr val="accent2"/>
+            </a:solidFill>
+            <a:ln>
+              <a:noFill/>
+            </a:ln>
+          </p:spPr>
+          <p:style>
+            <a:lnRef idx="2">
+              <a:schemeClr val="accent1">
+                <a:shade val="50000"/>
+              </a:schemeClr>
+            </a:lnRef>
+            <a:fillRef idx="1">
+              <a:schemeClr val="accent1"/>
+            </a:fillRef>
+            <a:effectRef idx="0">
+              <a:schemeClr val="accent1"/>
+            </a:effectRef>
+            <a:fontRef idx="minor">
+              <a:schemeClr val="lt1"/>
+            </a:fontRef>
+          </p:style>
+          <p:txBody>
+            <a:bodyPr rtlCol="0" anchor="ctr"/>
+            <a:lstStyle/>
+            <a:p>
+              <a:pPr algn="ctr"/>
+              <a:r>
+                <a:rPr lang="en-US" altLang="ko-KR" dirty="0"/>
+                <a:t>49</a:t>
+              </a:r>
+              <a:endParaRPr lang="ko-KR" altLang="en-US" dirty="0"/>
+            </a:p>
+          </p:txBody>
+        </p:sp>
+        <p:sp>
+          <p:nvSpPr>
+            <p:cNvPr id="9" name="직사각형 8">
+              <a:extLst>
+                <a:ext uri="{FF2B5EF4-FFF2-40B4-BE49-F238E27FC236}">
+                  <a16:creationId xmlns:a16="http://schemas.microsoft.com/office/drawing/2014/main" id="{B3DF6D17-378E-1704-0699-17B056FA57A1}"/>
+                </a:ext>
+              </a:extLst>
+            </p:cNvPr>
+            <p:cNvSpPr/>
+            <p:nvPr/>
+          </p:nvSpPr>
+          <p:spPr>
+            <a:xfrm>
+              <a:off x="8614345" y="3386281"/>
+              <a:ext cx="538095" cy="286327"/>
+            </a:xfrm>
+            <a:prstGeom prst="rect">
+              <a:avLst/>
+            </a:prstGeom>
+            <a:solidFill>
+              <a:schemeClr val="accent2"/>
+            </a:solidFill>
+            <a:ln>
+              <a:noFill/>
+            </a:ln>
+          </p:spPr>
+          <p:style>
+            <a:lnRef idx="2">
+              <a:schemeClr val="accent1">
+                <a:shade val="50000"/>
+              </a:schemeClr>
+            </a:lnRef>
+            <a:fillRef idx="1">
+              <a:schemeClr val="accent1"/>
+            </a:fillRef>
+            <a:effectRef idx="0">
+              <a:schemeClr val="accent1"/>
+            </a:effectRef>
+            <a:fontRef idx="minor">
+              <a:schemeClr val="lt1"/>
+            </a:fontRef>
+          </p:style>
+          <p:txBody>
+            <a:bodyPr rtlCol="0" anchor="ctr"/>
+            <a:lstStyle/>
+            <a:p>
+              <a:pPr algn="ctr"/>
+              <a:r>
+                <a:rPr lang="en-US" altLang="ko-KR" dirty="0"/>
+                <a:t>50</a:t>
+              </a:r>
+              <a:endParaRPr lang="ko-KR" altLang="en-US" dirty="0"/>
+            </a:p>
+          </p:txBody>
+        </p:sp>
+        <p:sp>
+          <p:nvSpPr>
+            <p:cNvPr id="10" name="직사각형 9">
+              <a:extLst>
+                <a:ext uri="{FF2B5EF4-FFF2-40B4-BE49-F238E27FC236}">
+                  <a16:creationId xmlns:a16="http://schemas.microsoft.com/office/drawing/2014/main" id="{60786CEB-21F6-F518-9262-F56A52585F0D}"/>
+                </a:ext>
+              </a:extLst>
+            </p:cNvPr>
+            <p:cNvSpPr/>
+            <p:nvPr/>
+          </p:nvSpPr>
+          <p:spPr>
+            <a:xfrm>
+              <a:off x="9507887" y="3429000"/>
+              <a:ext cx="538095" cy="286327"/>
+            </a:xfrm>
+            <a:prstGeom prst="rect">
+              <a:avLst/>
+            </a:prstGeom>
+            <a:solidFill>
+              <a:schemeClr val="accent2"/>
+            </a:solidFill>
+            <a:ln>
+              <a:noFill/>
+            </a:ln>
+          </p:spPr>
+          <p:style>
+            <a:lnRef idx="2">
+              <a:schemeClr val="accent1">
+                <a:shade val="50000"/>
+              </a:schemeClr>
+            </a:lnRef>
+            <a:fillRef idx="1">
+              <a:schemeClr val="accent1"/>
+            </a:fillRef>
+            <a:effectRef idx="0">
+              <a:schemeClr val="accent1"/>
+            </a:effectRef>
+            <a:fontRef idx="minor">
+              <a:schemeClr val="lt1"/>
+            </a:fontRef>
+          </p:style>
+          <p:txBody>
+            <a:bodyPr rtlCol="0" anchor="ctr"/>
+            <a:lstStyle/>
+            <a:p>
+              <a:pPr algn="ctr"/>
+              <a:r>
+                <a:rPr lang="en-US" altLang="ko-KR" dirty="0"/>
+                <a:t>51</a:t>
+              </a:r>
+              <a:endParaRPr lang="ko-KR" altLang="en-US" dirty="0"/>
+            </a:p>
+          </p:txBody>
+        </p:sp>
+        <p:sp>
+          <p:nvSpPr>
+            <p:cNvPr id="11" name="직사각형 10">
+              <a:extLst>
+                <a:ext uri="{FF2B5EF4-FFF2-40B4-BE49-F238E27FC236}">
+                  <a16:creationId xmlns:a16="http://schemas.microsoft.com/office/drawing/2014/main" id="{3DEDC195-EC88-546F-65D0-B5E24509EF80}"/>
+                </a:ext>
+              </a:extLst>
+            </p:cNvPr>
+            <p:cNvSpPr/>
+            <p:nvPr/>
+          </p:nvSpPr>
+          <p:spPr>
+            <a:xfrm>
+              <a:off x="7656012" y="3983181"/>
+              <a:ext cx="538095" cy="286327"/>
+            </a:xfrm>
+            <a:prstGeom prst="rect">
+              <a:avLst/>
+            </a:prstGeom>
+            <a:solidFill>
+              <a:schemeClr val="accent2"/>
+            </a:solidFill>
+            <a:ln>
+              <a:noFill/>
+            </a:ln>
+          </p:spPr>
+          <p:style>
+            <a:lnRef idx="2">
+              <a:schemeClr val="accent1">
+                <a:shade val="50000"/>
+              </a:schemeClr>
+            </a:lnRef>
+            <a:fillRef idx="1">
+              <a:schemeClr val="accent1"/>
+            </a:fillRef>
+            <a:effectRef idx="0">
+              <a:schemeClr val="accent1"/>
+            </a:effectRef>
+            <a:fontRef idx="minor">
+              <a:schemeClr val="lt1"/>
+            </a:fontRef>
+          </p:style>
+          <p:txBody>
+            <a:bodyPr rtlCol="0" anchor="ctr"/>
+            <a:lstStyle/>
+            <a:p>
+              <a:pPr algn="ctr"/>
+              <a:r>
+                <a:rPr lang="en-US" altLang="ko-KR" dirty="0"/>
+                <a:t>52</a:t>
+              </a:r>
+              <a:endParaRPr lang="ko-KR" altLang="en-US" dirty="0"/>
+            </a:p>
+          </p:txBody>
+        </p:sp>
+        <p:sp>
+          <p:nvSpPr>
+            <p:cNvPr id="12" name="직사각형 11">
+              <a:extLst>
+                <a:ext uri="{FF2B5EF4-FFF2-40B4-BE49-F238E27FC236}">
+                  <a16:creationId xmlns:a16="http://schemas.microsoft.com/office/drawing/2014/main" id="{F158CFA4-DA90-7904-5C71-EF95D1A8E11E}"/>
+                </a:ext>
+              </a:extLst>
+            </p:cNvPr>
+            <p:cNvSpPr/>
+            <p:nvPr/>
+          </p:nvSpPr>
+          <p:spPr>
+            <a:xfrm>
+              <a:off x="1772448" y="4269508"/>
+              <a:ext cx="538095" cy="286327"/>
+            </a:xfrm>
+            <a:prstGeom prst="rect">
+              <a:avLst/>
+            </a:prstGeom>
+            <a:solidFill>
+              <a:schemeClr val="accent2"/>
+            </a:solidFill>
+            <a:ln>
+              <a:noFill/>
+            </a:ln>
+          </p:spPr>
+          <p:style>
+            <a:lnRef idx="2">
+              <a:schemeClr val="accent1">
+                <a:shade val="50000"/>
+              </a:schemeClr>
+            </a:lnRef>
+            <a:fillRef idx="1">
+              <a:schemeClr val="accent1"/>
+            </a:fillRef>
+            <a:effectRef idx="0">
+              <a:schemeClr val="accent1"/>
+            </a:effectRef>
+            <a:fontRef idx="minor">
+              <a:schemeClr val="lt1"/>
+            </a:fontRef>
+          </p:style>
+          <p:txBody>
+            <a:bodyPr rtlCol="0" anchor="ctr"/>
+            <a:lstStyle/>
+            <a:p>
+              <a:pPr algn="ctr"/>
+              <a:r>
+                <a:rPr lang="en-US" altLang="ko-KR" dirty="0"/>
+                <a:t>57</a:t>
+              </a:r>
+              <a:endParaRPr lang="ko-KR" altLang="en-US" dirty="0"/>
+            </a:p>
+          </p:txBody>
+        </p:sp>
+        <p:sp>
+          <p:nvSpPr>
+            <p:cNvPr id="13" name="직사각형 12">
+              <a:extLst>
+                <a:ext uri="{FF2B5EF4-FFF2-40B4-BE49-F238E27FC236}">
+                  <a16:creationId xmlns:a16="http://schemas.microsoft.com/office/drawing/2014/main" id="{5B10656C-906C-2810-443D-FBEEF37E7E25}"/>
+                </a:ext>
+              </a:extLst>
+            </p:cNvPr>
+            <p:cNvSpPr/>
+            <p:nvPr/>
+          </p:nvSpPr>
+          <p:spPr>
+            <a:xfrm>
+              <a:off x="3857162" y="4257961"/>
+              <a:ext cx="538095" cy="286327"/>
+            </a:xfrm>
+            <a:prstGeom prst="rect">
+              <a:avLst/>
+            </a:prstGeom>
+            <a:solidFill>
+              <a:schemeClr val="accent2"/>
+            </a:solidFill>
+            <a:ln>
+              <a:noFill/>
+            </a:ln>
+          </p:spPr>
+          <p:style>
+            <a:lnRef idx="2">
+              <a:schemeClr val="accent1">
+                <a:shade val="50000"/>
+              </a:schemeClr>
+            </a:lnRef>
+            <a:fillRef idx="1">
+              <a:schemeClr val="accent1"/>
+            </a:fillRef>
+            <a:effectRef idx="0">
+              <a:schemeClr val="accent1"/>
+            </a:effectRef>
+            <a:fontRef idx="minor">
+              <a:schemeClr val="lt1"/>
+            </a:fontRef>
+          </p:style>
+          <p:txBody>
+            <a:bodyPr rtlCol="0" anchor="ctr"/>
+            <a:lstStyle/>
+            <a:p>
+              <a:pPr algn="ctr"/>
+              <a:r>
+                <a:rPr lang="en-US" altLang="ko-KR" dirty="0"/>
+                <a:t>53</a:t>
+              </a:r>
+              <a:endParaRPr lang="ko-KR" altLang="en-US" dirty="0"/>
+            </a:p>
+          </p:txBody>
+        </p:sp>
+        <p:sp>
+          <p:nvSpPr>
+            <p:cNvPr id="14" name="직사각형 13">
+              <a:extLst>
+                <a:ext uri="{FF2B5EF4-FFF2-40B4-BE49-F238E27FC236}">
+                  <a16:creationId xmlns:a16="http://schemas.microsoft.com/office/drawing/2014/main" id="{376914AF-F63C-AC0A-E00E-66EFA2432F65}"/>
+                </a:ext>
+              </a:extLst>
+            </p:cNvPr>
+            <p:cNvSpPr/>
+            <p:nvPr/>
+          </p:nvSpPr>
+          <p:spPr>
+            <a:xfrm>
+              <a:off x="10522204" y="4257961"/>
+              <a:ext cx="932658" cy="286327"/>
+            </a:xfrm>
+            <a:prstGeom prst="rect">
+              <a:avLst/>
+            </a:prstGeom>
+            <a:solidFill>
+              <a:schemeClr val="accent2"/>
+            </a:solidFill>
+            <a:ln>
+              <a:noFill/>
+            </a:ln>
+          </p:spPr>
+          <p:style>
+            <a:lnRef idx="2">
+              <a:schemeClr val="accent1">
+                <a:shade val="50000"/>
+              </a:schemeClr>
+            </a:lnRef>
+            <a:fillRef idx="1">
+              <a:schemeClr val="accent1"/>
+            </a:fillRef>
+            <a:effectRef idx="0">
+              <a:schemeClr val="accent1"/>
+            </a:effectRef>
+            <a:fontRef idx="minor">
+              <a:schemeClr val="lt1"/>
+            </a:fontRef>
+          </p:style>
+          <p:txBody>
+            <a:bodyPr rtlCol="0" anchor="ctr"/>
+            <a:lstStyle/>
+            <a:p>
+              <a:pPr algn="ctr"/>
+              <a:r>
+                <a:rPr lang="en-US" altLang="ko-KR" dirty="0"/>
+                <a:t>54~56</a:t>
+              </a:r>
+              <a:endParaRPr lang="ko-KR" altLang="en-US" dirty="0"/>
+            </a:p>
+          </p:txBody>
+        </p:sp>
+        <p:sp>
+          <p:nvSpPr>
+            <p:cNvPr id="15" name="직사각형 14">
+              <a:extLst>
+                <a:ext uri="{FF2B5EF4-FFF2-40B4-BE49-F238E27FC236}">
+                  <a16:creationId xmlns:a16="http://schemas.microsoft.com/office/drawing/2014/main" id="{3E910ACC-529D-EA9C-3B55-6889E5753DE9}"/>
+                </a:ext>
+              </a:extLst>
+            </p:cNvPr>
+            <p:cNvSpPr/>
+            <p:nvPr/>
+          </p:nvSpPr>
+          <p:spPr>
+            <a:xfrm>
+              <a:off x="4324604" y="4603750"/>
+              <a:ext cx="953707" cy="286327"/>
+            </a:xfrm>
+            <a:prstGeom prst="rect">
+              <a:avLst/>
+            </a:prstGeom>
+            <a:solidFill>
+              <a:schemeClr val="accent2"/>
+            </a:solidFill>
+            <a:ln>
+              <a:noFill/>
+            </a:ln>
+          </p:spPr>
+          <p:style>
+            <a:lnRef idx="2">
+              <a:schemeClr val="accent1">
+                <a:shade val="50000"/>
+              </a:schemeClr>
+            </a:lnRef>
+            <a:fillRef idx="1">
+              <a:schemeClr val="accent1"/>
+            </a:fillRef>
+            <a:effectRef idx="0">
+              <a:schemeClr val="accent1"/>
+            </a:effectRef>
+            <a:fontRef idx="minor">
+              <a:schemeClr val="lt1"/>
+            </a:fontRef>
+          </p:style>
+          <p:txBody>
+            <a:bodyPr rtlCol="0" anchor="ctr"/>
+            <a:lstStyle/>
+            <a:p>
+              <a:pPr algn="ctr"/>
+              <a:r>
+                <a:rPr lang="en-US" altLang="ko-KR" dirty="0"/>
+                <a:t>58~59</a:t>
+              </a:r>
+              <a:endParaRPr lang="ko-KR" altLang="en-US" dirty="0"/>
+            </a:p>
+          </p:txBody>
+        </p:sp>
+        <p:sp>
+          <p:nvSpPr>
+            <p:cNvPr id="16" name="직사각형 15">
+              <a:extLst>
+                <a:ext uri="{FF2B5EF4-FFF2-40B4-BE49-F238E27FC236}">
+                  <a16:creationId xmlns:a16="http://schemas.microsoft.com/office/drawing/2014/main" id="{8DA32E4C-2C22-CE2A-2175-74EC7AF95DB6}"/>
+                </a:ext>
+              </a:extLst>
+            </p:cNvPr>
+            <p:cNvSpPr/>
+            <p:nvPr/>
+          </p:nvSpPr>
+          <p:spPr>
+            <a:xfrm>
+              <a:off x="6883077" y="4603750"/>
+              <a:ext cx="538095" cy="286327"/>
+            </a:xfrm>
+            <a:prstGeom prst="rect">
+              <a:avLst/>
+            </a:prstGeom>
+            <a:solidFill>
+              <a:schemeClr val="accent2"/>
+            </a:solidFill>
+            <a:ln>
+              <a:noFill/>
+            </a:ln>
+          </p:spPr>
+          <p:style>
+            <a:lnRef idx="2">
+              <a:schemeClr val="accent1">
+                <a:shade val="50000"/>
+              </a:schemeClr>
+            </a:lnRef>
+            <a:fillRef idx="1">
+              <a:schemeClr val="accent1"/>
+            </a:fillRef>
+            <a:effectRef idx="0">
+              <a:schemeClr val="accent1"/>
+            </a:effectRef>
+            <a:fontRef idx="minor">
+              <a:schemeClr val="lt1"/>
+            </a:fontRef>
+          </p:style>
+          <p:txBody>
+            <a:bodyPr rtlCol="0" anchor="ctr"/>
+            <a:lstStyle/>
+            <a:p>
+              <a:pPr algn="ctr"/>
+              <a:r>
+                <a:rPr lang="en-US" altLang="ko-KR" dirty="0"/>
+                <a:t>60</a:t>
+              </a:r>
+              <a:endParaRPr lang="ko-KR" altLang="en-US" dirty="0"/>
+            </a:p>
+          </p:txBody>
+        </p:sp>
+        <p:sp>
+          <p:nvSpPr>
+            <p:cNvPr id="17" name="직사각형 16">
+              <a:extLst>
+                <a:ext uri="{FF2B5EF4-FFF2-40B4-BE49-F238E27FC236}">
+                  <a16:creationId xmlns:a16="http://schemas.microsoft.com/office/drawing/2014/main" id="{5CA10E9A-A080-E2BA-6AB4-361E4FDD9E46}"/>
+                </a:ext>
+              </a:extLst>
+            </p:cNvPr>
+            <p:cNvSpPr/>
+            <p:nvPr/>
+          </p:nvSpPr>
+          <p:spPr>
+            <a:xfrm>
+              <a:off x="3982858" y="4920381"/>
+              <a:ext cx="538095" cy="286327"/>
+            </a:xfrm>
+            <a:prstGeom prst="rect">
+              <a:avLst/>
+            </a:prstGeom>
+            <a:solidFill>
+              <a:schemeClr val="accent2"/>
+            </a:solidFill>
+            <a:ln>
+              <a:noFill/>
+            </a:ln>
+          </p:spPr>
+          <p:style>
+            <a:lnRef idx="2">
+              <a:schemeClr val="accent1">
+                <a:shade val="50000"/>
+              </a:schemeClr>
+            </a:lnRef>
+            <a:fillRef idx="1">
+              <a:schemeClr val="accent1"/>
+            </a:fillRef>
+            <a:effectRef idx="0">
+              <a:schemeClr val="accent1"/>
+            </a:effectRef>
+            <a:fontRef idx="minor">
+              <a:schemeClr val="lt1"/>
+            </a:fontRef>
+          </p:style>
+          <p:txBody>
+            <a:bodyPr rtlCol="0" anchor="ctr"/>
+            <a:lstStyle/>
+            <a:p>
+              <a:pPr algn="ctr"/>
+              <a:r>
+                <a:rPr lang="en-US" altLang="ko-KR" dirty="0"/>
+                <a:t>61</a:t>
+              </a:r>
+              <a:endParaRPr lang="ko-KR" altLang="en-US" dirty="0"/>
+            </a:p>
+          </p:txBody>
+        </p:sp>
+        <p:sp>
+          <p:nvSpPr>
+            <p:cNvPr id="18" name="직사각형 17">
+              <a:extLst>
+                <a:ext uri="{FF2B5EF4-FFF2-40B4-BE49-F238E27FC236}">
+                  <a16:creationId xmlns:a16="http://schemas.microsoft.com/office/drawing/2014/main" id="{0093C121-A091-B8BE-936F-FEF0E3E5E173}"/>
+                </a:ext>
+              </a:extLst>
+            </p:cNvPr>
+            <p:cNvSpPr/>
+            <p:nvPr/>
+          </p:nvSpPr>
+          <p:spPr>
+            <a:xfrm>
+              <a:off x="3982857" y="5206708"/>
+              <a:ext cx="538095" cy="286327"/>
+            </a:xfrm>
+            <a:prstGeom prst="rect">
+              <a:avLst/>
+            </a:prstGeom>
+            <a:solidFill>
+              <a:schemeClr val="accent2"/>
+            </a:solidFill>
+            <a:ln>
+              <a:noFill/>
+            </a:ln>
+          </p:spPr>
+          <p:style>
+            <a:lnRef idx="2">
+              <a:schemeClr val="accent1">
+                <a:shade val="50000"/>
+              </a:schemeClr>
+            </a:lnRef>
+            <a:fillRef idx="1">
+              <a:schemeClr val="accent1"/>
+            </a:fillRef>
+            <a:effectRef idx="0">
+              <a:schemeClr val="accent1"/>
+            </a:effectRef>
+            <a:fontRef idx="minor">
+              <a:schemeClr val="lt1"/>
+            </a:fontRef>
+          </p:style>
+          <p:txBody>
+            <a:bodyPr rtlCol="0" anchor="ctr"/>
+            <a:lstStyle/>
+            <a:p>
+              <a:pPr algn="ctr"/>
+              <a:r>
+                <a:rPr lang="en-US" altLang="ko-KR" dirty="0"/>
+                <a:t>62</a:t>
+              </a:r>
+              <a:endParaRPr lang="ko-KR" altLang="en-US" dirty="0"/>
+            </a:p>
+          </p:txBody>
+        </p:sp>
+        <p:sp>
+          <p:nvSpPr>
+            <p:cNvPr id="19" name="직사각형 18">
+              <a:extLst>
+                <a:ext uri="{FF2B5EF4-FFF2-40B4-BE49-F238E27FC236}">
+                  <a16:creationId xmlns:a16="http://schemas.microsoft.com/office/drawing/2014/main" id="{5F489939-98F2-6FA6-2E9F-66A868BE7991}"/>
+                </a:ext>
+              </a:extLst>
+            </p:cNvPr>
+            <p:cNvSpPr/>
+            <p:nvPr/>
+          </p:nvSpPr>
+          <p:spPr>
+            <a:xfrm>
+              <a:off x="5278311" y="5493035"/>
+              <a:ext cx="1528889" cy="286327"/>
+            </a:xfrm>
+            <a:prstGeom prst="rect">
+              <a:avLst/>
+            </a:prstGeom>
+            <a:solidFill>
+              <a:schemeClr val="accent2"/>
+            </a:solidFill>
+            <a:ln>
+              <a:noFill/>
+            </a:ln>
+          </p:spPr>
+          <p:style>
+            <a:lnRef idx="2">
+              <a:schemeClr val="accent1">
+                <a:shade val="50000"/>
+              </a:schemeClr>
+            </a:lnRef>
+            <a:fillRef idx="1">
+              <a:schemeClr val="accent1"/>
+            </a:fillRef>
+            <a:effectRef idx="0">
+              <a:schemeClr val="accent1"/>
+            </a:effectRef>
+            <a:fontRef idx="minor">
+              <a:schemeClr val="lt1"/>
+            </a:fontRef>
+          </p:style>
+          <p:txBody>
+            <a:bodyPr rtlCol="0" anchor="ctr"/>
+            <a:lstStyle/>
+            <a:p>
+              <a:pPr algn="ctr"/>
+              <a:r>
+                <a:rPr lang="en-US" altLang="ko-KR" dirty="0"/>
+                <a:t>63~65</a:t>
+              </a:r>
+              <a:endParaRPr lang="ko-KR" altLang="en-US" dirty="0"/>
+            </a:p>
+          </p:txBody>
+        </p:sp>
+      </p:grpSp>
+    </p:spTree>
+    <p:extLst>
+      <p:ext uri="{BB962C8B-B14F-4D97-AF65-F5344CB8AC3E}">
+        <p14:creationId xmlns:p14="http://schemas.microsoft.com/office/powerpoint/2010/main" val="1419241844"/>
+      </p:ext>
+    </p:extLst>
+  </p:cSld>
+  <p:clrMapOvr>
+    <a:masterClrMapping/>
+  </p:clrMapOvr>
+</p:sld>
+</file>
+
+<file path=ppt/slides/slide4.xml><?xml version="1.0" encoding="utf-8"?>
+<p:sld xmlns:a="http://schemas.openxmlformats.org/drawingml/2006/main" xmlns:r="http://schemas.openxmlformats.org/officeDocument/2006/relationships" xmlns:p="http://schemas.openxmlformats.org/presentationml/2006/main">
+  <p:cSld>
+    <p:spTree>
+      <p:nvGrpSpPr>
+        <p:cNvPr id="1" name=""/>
+        <p:cNvGrpSpPr/>
+        <p:nvPr/>
+      </p:nvGrpSpPr>
+      <p:grpSpPr>
+        <a:xfrm>
+          <a:off x="0" y="0"/>
+          <a:ext cx="0" cy="0"/>
+          <a:chOff x="0" y="0"/>
+          <a:chExt cx="0" cy="0"/>
+        </a:xfrm>
+      </p:grpSpPr>
       <p:pic>
         <p:nvPicPr>
           <p:cNvPr id="5" name="그림 4">
@@ -4138,7 +7336,7 @@
 </p:sld>
 </file>
 
-<file path=ppt/slides/slide3.xml><?xml version="1.0" encoding="utf-8"?>
+<file path=ppt/slides/slide5.xml><?xml version="1.0" encoding="utf-8"?>
 <p:sld xmlns:a="http://schemas.openxmlformats.org/drawingml/2006/main" xmlns:r="http://schemas.openxmlformats.org/officeDocument/2006/relationships" xmlns:p="http://schemas.openxmlformats.org/presentationml/2006/main">
   <p:cSld>
     <p:spTree>
